--- a/water-fall/システム開発の進め方.pptx
+++ b/water-fall/システム開発の進め方.pptx
@@ -5,15 +5,16 @@
     <p:sldMasterId id="2147483648" r:id="rId4"/>
   </p:sldMasterIdLst>
   <p:notesMasterIdLst>
-    <p:notesMasterId r:id="rId8"/>
+    <p:notesMasterId r:id="rId9"/>
   </p:notesMasterIdLst>
   <p:handoutMasterIdLst>
-    <p:handoutMasterId r:id="rId9"/>
+    <p:handoutMasterId r:id="rId10"/>
   </p:handoutMasterIdLst>
   <p:sldIdLst>
     <p:sldId id="256" r:id="rId5"/>
     <p:sldId id="259" r:id="rId6"/>
-    <p:sldId id="260" r:id="rId7"/>
+    <p:sldId id="261" r:id="rId7"/>
+    <p:sldId id="260" r:id="rId8"/>
   </p:sldIdLst>
   <p:sldSz cx="12192000" cy="6858000"/>
   <p:notesSz cx="6858000" cy="9144000"/>
@@ -236,7 +237,7 @@
                 <a:latin typeface="Meiryo UI" panose="020B0604030504040204" pitchFamily="50" charset="-128"/>
                 <a:ea typeface="Meiryo UI" panose="020B0604030504040204" pitchFamily="50" charset="-128"/>
               </a:rPr>
-              <a:t>2024/6/19</a:t>
+              <a:t>2024/6/25</a:t>
             </a:fld>
             <a:endParaRPr lang="ja-JP" dirty="0">
               <a:latin typeface="Meiryo UI" panose="020B0604030504040204" pitchFamily="50" charset="-128"/>
@@ -436,7 +437,7 @@
           <a:p>
             <a:fld id="{E3D54C56-56CB-4310-BBD3-0C7DA2EFBA3C}" type="datetime1">
               <a:rPr lang="ja-JP" altLang="en-US" smtClean="0"/>
-              <a:t>2024/6/19</a:t>
+              <a:t>2024/6/25</a:t>
             </a:fld>
             <a:endParaRPr lang="en-US" dirty="0">
               <a:ea typeface="Meiryo UI" panose="020B0604030504040204" pitchFamily="50" charset="-128"/>
@@ -7239,7 +7240,7 @@
                   </a:glow>
                 </a:effectLst>
               </a:rPr>
-              <a:t>▼リリース</a:t>
+              <a:t>▲リリース</a:t>
             </a:r>
           </a:p>
         </p:txBody>
@@ -7282,7 +7283,7 @@
                   </a:glow>
                 </a:effectLst>
               </a:rPr>
-              <a:t>▼</a:t>
+              <a:t>▲</a:t>
             </a:r>
           </a:p>
         </p:txBody>
@@ -7325,7 +7326,7 @@
                   </a:glow>
                 </a:effectLst>
               </a:rPr>
-              <a:t>▼</a:t>
+              <a:t>▲</a:t>
             </a:r>
           </a:p>
         </p:txBody>
@@ -7511,7 +7512,7 @@
                   </a:glow>
                 </a:effectLst>
               </a:rPr>
-              <a:t>▼</a:t>
+              <a:t>▲</a:t>
             </a:r>
           </a:p>
         </p:txBody>
@@ -8973,7 +8974,7 @@
         <p:spPr>
           <a:xfrm>
             <a:off x="5822325" y="2948464"/>
-            <a:ext cx="1857851" cy="1428214"/>
+            <a:ext cx="2615238" cy="1428214"/>
           </a:xfrm>
           <a:prstGeom prst="ellipse">
             <a:avLst/>
@@ -8992,7 +8993,7 @@
           <a:p>
             <a:r>
               <a:rPr kumimoji="1" lang="ja-JP" altLang="en-US" sz="1000" dirty="0"/>
-              <a:t>・</a:t>
+              <a:t>・テーブル定義（</a:t>
             </a:r>
             <a:r>
               <a:rPr kumimoji="1" lang="en-US" altLang="ja-JP" sz="1000" dirty="0"/>
@@ -9000,7 +9001,7 @@
             </a:r>
             <a:r>
               <a:rPr kumimoji="1" lang="ja-JP" altLang="en-US" sz="1000" dirty="0"/>
-              <a:t>物理設計</a:t>
+              <a:t>物理設計）</a:t>
             </a:r>
             <a:endParaRPr kumimoji="1" lang="en-US" altLang="ja-JP" sz="1000" dirty="0"/>
           </a:p>
@@ -9108,7 +9109,7 @@
         <p:spPr>
           <a:xfrm>
             <a:off x="7437461" y="2949580"/>
-            <a:ext cx="3483075" cy="1211818"/>
+            <a:ext cx="3483075" cy="1428214"/>
           </a:xfrm>
           <a:prstGeom prst="ellipse">
             <a:avLst/>
@@ -9149,6 +9150,13 @@
             <a:r>
               <a:rPr kumimoji="1" lang="ja-JP" altLang="en-US" sz="1000" dirty="0"/>
               <a:t>・操作手順書</a:t>
+            </a:r>
+            <a:endParaRPr kumimoji="1" lang="en-US" altLang="ja-JP" sz="1000" dirty="0"/>
+          </a:p>
+          <a:p>
+            <a:r>
+              <a:rPr kumimoji="1" lang="ja-JP" altLang="en-US" sz="1000" dirty="0"/>
+              <a:t>・☆インフラ構成</a:t>
             </a:r>
             <a:endParaRPr kumimoji="1" lang="en-US" altLang="ja-JP" sz="1000" dirty="0"/>
           </a:p>
@@ -9333,7 +9341,7 @@
                   </a:glow>
                 </a:effectLst>
               </a:rPr>
-              <a:t>▼</a:t>
+              <a:t>▲</a:t>
             </a:r>
           </a:p>
         </p:txBody>
@@ -9376,7 +9384,7 @@
                   </a:glow>
                 </a:effectLst>
               </a:rPr>
-              <a:t>▼</a:t>
+              <a:t>▲</a:t>
             </a:r>
             <a:r>
               <a:rPr kumimoji="1" lang="en-US" altLang="ja-JP" sz="1200" b="1" dirty="0">
@@ -9795,7 +9803,7 @@
           <p:cNvPr id="4" name="スライド番号プレースホルダー 3">
             <a:extLst>
               <a:ext uri="{FF2B5EF4-FFF2-40B4-BE49-F238E27FC236}">
-                <a16:creationId xmlns:a16="http://schemas.microsoft.com/office/drawing/2014/main" id="{F227F809-A974-77B7-A4CD-F1121AE69088}"/>
+                <a16:creationId xmlns:a16="http://schemas.microsoft.com/office/drawing/2014/main" id="{192139CC-8C88-E492-11DD-46BEA03F0510}"/>
               </a:ext>
             </a:extLst>
           </p:cNvPr>
@@ -9815,6 +9823,982 @@
               <a:rPr lang="en-US" altLang="ja-JP" smtClean="0"/>
               <a:pPr/>
               <a:t>3</a:t>
+            </a:fld>
+            <a:endParaRPr lang="en-US" altLang="en-US" dirty="0"/>
+          </a:p>
+        </p:txBody>
+      </p:sp>
+      <p:sp>
+        <p:nvSpPr>
+          <p:cNvPr id="5" name="タイトル 4">
+            <a:extLst>
+              <a:ext uri="{FF2B5EF4-FFF2-40B4-BE49-F238E27FC236}">
+                <a16:creationId xmlns:a16="http://schemas.microsoft.com/office/drawing/2014/main" id="{B6D1741C-32E4-3ADB-0701-054EB3F77E3F}"/>
+              </a:ext>
+            </a:extLst>
+          </p:cNvPr>
+          <p:cNvSpPr>
+            <a:spLocks noGrp="1"/>
+          </p:cNvSpPr>
+          <p:nvPr>
+            <p:ph type="title"/>
+          </p:nvPr>
+        </p:nvSpPr>
+        <p:spPr>
+          <a:xfrm>
+            <a:off x="1322318" y="268361"/>
+            <a:ext cx="7288282" cy="512082"/>
+          </a:xfrm>
+        </p:spPr>
+        <p:txBody>
+          <a:bodyPr/>
+          <a:lstStyle/>
+          <a:p>
+            <a:r>
+              <a:rPr lang="ja-JP" altLang="en-US" dirty="0"/>
+              <a:t>フェーズ説明</a:t>
+            </a:r>
+          </a:p>
+        </p:txBody>
+      </p:sp>
+      <p:graphicFrame>
+        <p:nvGraphicFramePr>
+          <p:cNvPr id="6" name="表 5">
+            <a:extLst>
+              <a:ext uri="{FF2B5EF4-FFF2-40B4-BE49-F238E27FC236}">
+                <a16:creationId xmlns:a16="http://schemas.microsoft.com/office/drawing/2014/main" id="{E100FBCF-6688-D608-6F00-E6E9B8F8BCEC}"/>
+              </a:ext>
+            </a:extLst>
+          </p:cNvPr>
+          <p:cNvGraphicFramePr>
+            <a:graphicFrameLocks noGrp="1"/>
+          </p:cNvGraphicFramePr>
+          <p:nvPr>
+            <p:extLst>
+              <p:ext uri="{D42A27DB-BD31-4B8C-83A1-F6EECF244321}">
+                <p14:modId xmlns:p14="http://schemas.microsoft.com/office/powerpoint/2010/main" val="603167533"/>
+              </p:ext>
+            </p:extLst>
+          </p:nvPr>
+        </p:nvGraphicFramePr>
+        <p:xfrm>
+          <a:off x="603639" y="966172"/>
+          <a:ext cx="11008514" cy="5343148"/>
+        </p:xfrm>
+        <a:graphic>
+          <a:graphicData uri="http://schemas.openxmlformats.org/drawingml/2006/table">
+            <a:tbl>
+              <a:tblPr firstRow="1" bandRow="1" bandCol="1">
+                <a:tableStyleId>{5A111915-BE36-4E01-A7E5-04B1672EAD32}</a:tableStyleId>
+              </a:tblPr>
+              <a:tblGrid>
+                <a:gridCol w="983363">
+                  <a:extLst>
+                    <a:ext uri="{9D8B030D-6E8A-4147-A177-3AD203B41FA5}">
+                      <a16:colId xmlns:a16="http://schemas.microsoft.com/office/drawing/2014/main" val="3019479858"/>
+                    </a:ext>
+                  </a:extLst>
+                </a:gridCol>
+                <a:gridCol w="1154935">
+                  <a:extLst>
+                    <a:ext uri="{9D8B030D-6E8A-4147-A177-3AD203B41FA5}">
+                      <a16:colId xmlns:a16="http://schemas.microsoft.com/office/drawing/2014/main" val="4202277919"/>
+                    </a:ext>
+                  </a:extLst>
+                </a:gridCol>
+                <a:gridCol w="1657438">
+                  <a:extLst>
+                    <a:ext uri="{9D8B030D-6E8A-4147-A177-3AD203B41FA5}">
+                      <a16:colId xmlns:a16="http://schemas.microsoft.com/office/drawing/2014/main" val="1170515650"/>
+                    </a:ext>
+                  </a:extLst>
+                </a:gridCol>
+                <a:gridCol w="3743319">
+                  <a:extLst>
+                    <a:ext uri="{9D8B030D-6E8A-4147-A177-3AD203B41FA5}">
+                      <a16:colId xmlns:a16="http://schemas.microsoft.com/office/drawing/2014/main" val="1875223590"/>
+                    </a:ext>
+                  </a:extLst>
+                </a:gridCol>
+                <a:gridCol w="3469459">
+                  <a:extLst>
+                    <a:ext uri="{9D8B030D-6E8A-4147-A177-3AD203B41FA5}">
+                      <a16:colId xmlns:a16="http://schemas.microsoft.com/office/drawing/2014/main" val="3321711258"/>
+                    </a:ext>
+                  </a:extLst>
+                </a:gridCol>
+              </a:tblGrid>
+              <a:tr h="386571">
+                <a:tc>
+                  <a:txBody>
+                    <a:bodyPr/>
+                    <a:lstStyle/>
+                    <a:p>
+                      <a:r>
+                        <a:rPr kumimoji="1" lang="ja-JP" altLang="en-US" sz="1200" dirty="0"/>
+                        <a:t>大項目</a:t>
+                      </a:r>
+                    </a:p>
+                  </a:txBody>
+                  <a:tcPr/>
+                </a:tc>
+                <a:tc>
+                  <a:txBody>
+                    <a:bodyPr/>
+                    <a:lstStyle/>
+                    <a:p>
+                      <a:r>
+                        <a:rPr kumimoji="1" lang="ja-JP" altLang="en-US" sz="1200" dirty="0"/>
+                        <a:t>項目</a:t>
+                      </a:r>
+                    </a:p>
+                  </a:txBody>
+                  <a:tcPr/>
+                </a:tc>
+                <a:tc>
+                  <a:txBody>
+                    <a:bodyPr/>
+                    <a:lstStyle/>
+                    <a:p>
+                      <a:r>
+                        <a:rPr kumimoji="1" lang="ja-JP" altLang="en-US" sz="1200" dirty="0"/>
+                        <a:t>別名称</a:t>
+                      </a:r>
+                    </a:p>
+                  </a:txBody>
+                  <a:tcPr/>
+                </a:tc>
+                <a:tc>
+                  <a:txBody>
+                    <a:bodyPr/>
+                    <a:lstStyle/>
+                    <a:p>
+                      <a:r>
+                        <a:rPr kumimoji="1" lang="ja-JP" altLang="en-US" sz="1200" dirty="0"/>
+                        <a:t>説明</a:t>
+                      </a:r>
+                    </a:p>
+                  </a:txBody>
+                  <a:tcPr/>
+                </a:tc>
+                <a:tc>
+                  <a:txBody>
+                    <a:bodyPr/>
+                    <a:lstStyle/>
+                    <a:p>
+                      <a:r>
+                        <a:rPr kumimoji="1" lang="ja-JP" altLang="en-US" sz="1200" dirty="0"/>
+                        <a:t>補足</a:t>
+                      </a:r>
+                    </a:p>
+                  </a:txBody>
+                  <a:tcPr/>
+                </a:tc>
+                <a:extLst>
+                  <a:ext uri="{0D108BD9-81ED-4DB2-BD59-A6C34878D82A}">
+                    <a16:rowId xmlns:a16="http://schemas.microsoft.com/office/drawing/2014/main" val="3382172805"/>
+                  </a:ext>
+                </a:extLst>
+              </a:tr>
+              <a:tr h="667231">
+                <a:tc rowSpan="3">
+                  <a:txBody>
+                    <a:bodyPr/>
+                    <a:lstStyle/>
+                    <a:p>
+                      <a:r>
+                        <a:rPr kumimoji="1" lang="ja-JP" altLang="en-US" sz="1200" dirty="0"/>
+                        <a:t>要件定義</a:t>
+                      </a:r>
+                    </a:p>
+                  </a:txBody>
+                  <a:tcPr/>
+                </a:tc>
+                <a:tc>
+                  <a:txBody>
+                    <a:bodyPr/>
+                    <a:lstStyle/>
+                    <a:p>
+                      <a:r>
+                        <a:rPr kumimoji="1" lang="ja-JP" altLang="en-US" sz="1200" dirty="0"/>
+                        <a:t>企画構想</a:t>
+                      </a:r>
+                    </a:p>
+                  </a:txBody>
+                  <a:tcPr/>
+                </a:tc>
+                <a:tc>
+                  <a:txBody>
+                    <a:bodyPr/>
+                    <a:lstStyle/>
+                    <a:p>
+                      <a:endParaRPr kumimoji="1" lang="ja-JP" altLang="en-US" sz="1200" dirty="0"/>
+                    </a:p>
+                  </a:txBody>
+                  <a:tcPr/>
+                </a:tc>
+                <a:tc>
+                  <a:txBody>
+                    <a:bodyPr/>
+                    <a:lstStyle/>
+                    <a:p>
+                      <a:r>
+                        <a:rPr lang="ja-JP" altLang="en-US" sz="1200" dirty="0"/>
+                        <a:t>プロジェクトの目的、概要、期待される効果を明確にする段階。ビジネス目標との整合性を確認し、実現可能性を検討する。</a:t>
+                      </a:r>
+                      <a:endParaRPr kumimoji="1" lang="ja-JP" altLang="en-US" sz="1200" dirty="0"/>
+                    </a:p>
+                  </a:txBody>
+                  <a:tcPr/>
+                </a:tc>
+                <a:tc>
+                  <a:txBody>
+                    <a:bodyPr/>
+                    <a:lstStyle/>
+                    <a:p>
+                      <a:endParaRPr kumimoji="1" lang="ja-JP" altLang="en-US" sz="1200"/>
+                    </a:p>
+                  </a:txBody>
+                  <a:tcPr/>
+                </a:tc>
+                <a:extLst>
+                  <a:ext uri="{0D108BD9-81ED-4DB2-BD59-A6C34878D82A}">
+                    <a16:rowId xmlns:a16="http://schemas.microsoft.com/office/drawing/2014/main" val="1349703908"/>
+                  </a:ext>
+                </a:extLst>
+              </a:tr>
+              <a:tr h="476594">
+                <a:tc vMerge="1">
+                  <a:txBody>
+                    <a:bodyPr/>
+                    <a:lstStyle/>
+                    <a:p>
+                      <a:endParaRPr kumimoji="1" lang="ja-JP" altLang="en-US" sz="1400" dirty="0"/>
+                    </a:p>
+                  </a:txBody>
+                  <a:tcPr/>
+                </a:tc>
+                <a:tc>
+                  <a:txBody>
+                    <a:bodyPr/>
+                    <a:lstStyle/>
+                    <a:p>
+                      <a:r>
+                        <a:rPr kumimoji="1" lang="ja-JP" altLang="en-US" sz="1200" dirty="0"/>
+                        <a:t>要求定義</a:t>
+                      </a:r>
+                    </a:p>
+                  </a:txBody>
+                  <a:tcPr/>
+                </a:tc>
+                <a:tc>
+                  <a:txBody>
+                    <a:bodyPr/>
+                    <a:lstStyle/>
+                    <a:p>
+                      <a:r>
+                        <a:rPr kumimoji="1" lang="ja-JP" altLang="en-US" sz="1200" dirty="0"/>
+                        <a:t>業務要件定義</a:t>
+                      </a:r>
+                    </a:p>
+                  </a:txBody>
+                  <a:tcPr/>
+                </a:tc>
+                <a:tc>
+                  <a:txBody>
+                    <a:bodyPr/>
+                    <a:lstStyle/>
+                    <a:p>
+                      <a:r>
+                        <a:rPr lang="ja-JP" altLang="en-US" sz="1200" dirty="0"/>
+                        <a:t>顧客や利用者のニーズを明確化し、システムに求められる機能や性能を特定する段階。</a:t>
+                      </a:r>
+                      <a:endParaRPr kumimoji="1" lang="ja-JP" altLang="en-US" sz="1200" dirty="0"/>
+                    </a:p>
+                  </a:txBody>
+                  <a:tcPr/>
+                </a:tc>
+                <a:tc>
+                  <a:txBody>
+                    <a:bodyPr/>
+                    <a:lstStyle/>
+                    <a:p>
+                      <a:r>
+                        <a:rPr kumimoji="1" lang="ja-JP" altLang="en-US" sz="1200" dirty="0"/>
+                        <a:t>・要望→要求→検討→要件 と昇華させていく。</a:t>
+                      </a:r>
+                      <a:endParaRPr kumimoji="1" lang="en-US" altLang="ja-JP" sz="1200" dirty="0"/>
+                    </a:p>
+                    <a:p>
+                      <a:r>
+                        <a:rPr kumimoji="1" lang="ja-JP" altLang="en-US" sz="1200" dirty="0"/>
+                        <a:t>・システムを利用する人の行動（業務）を抽出する。</a:t>
+                      </a:r>
+                    </a:p>
+                  </a:txBody>
+                  <a:tcPr/>
+                </a:tc>
+                <a:extLst>
+                  <a:ext uri="{0D108BD9-81ED-4DB2-BD59-A6C34878D82A}">
+                    <a16:rowId xmlns:a16="http://schemas.microsoft.com/office/drawing/2014/main" val="3607353886"/>
+                  </a:ext>
+                </a:extLst>
+              </a:tr>
+              <a:tr h="476594">
+                <a:tc vMerge="1">
+                  <a:txBody>
+                    <a:bodyPr/>
+                    <a:lstStyle/>
+                    <a:p>
+                      <a:endParaRPr kumimoji="1" lang="ja-JP" altLang="en-US" sz="1400" dirty="0"/>
+                    </a:p>
+                  </a:txBody>
+                  <a:tcPr/>
+                </a:tc>
+                <a:tc>
+                  <a:txBody>
+                    <a:bodyPr/>
+                    <a:lstStyle/>
+                    <a:p>
+                      <a:r>
+                        <a:rPr kumimoji="1" lang="ja-JP" altLang="en-US" sz="1200" dirty="0"/>
+                        <a:t>要件定義</a:t>
+                      </a:r>
+                    </a:p>
+                  </a:txBody>
+                  <a:tcPr/>
+                </a:tc>
+                <a:tc>
+                  <a:txBody>
+                    <a:bodyPr/>
+                    <a:lstStyle/>
+                    <a:p>
+                      <a:r>
+                        <a:rPr kumimoji="1" lang="ja-JP" altLang="en-US" sz="1200" dirty="0"/>
+                        <a:t>システム要件定義</a:t>
+                      </a:r>
+                    </a:p>
+                  </a:txBody>
+                  <a:tcPr/>
+                </a:tc>
+                <a:tc>
+                  <a:txBody>
+                    <a:bodyPr/>
+                    <a:lstStyle/>
+                    <a:p>
+                      <a:r>
+                        <a:rPr lang="ja-JP" altLang="en-US" sz="1200" dirty="0"/>
+                        <a:t>要求を具体化し、システムが満たすべき機能的・非機能的要件を詳細に定義する段階。</a:t>
+                      </a:r>
+                      <a:endParaRPr kumimoji="1" lang="ja-JP" altLang="en-US" sz="1200" dirty="0"/>
+                    </a:p>
+                  </a:txBody>
+                  <a:tcPr/>
+                </a:tc>
+                <a:tc>
+                  <a:txBody>
+                    <a:bodyPr/>
+                    <a:lstStyle/>
+                    <a:p>
+                      <a:endParaRPr kumimoji="1" lang="ja-JP" altLang="en-US" sz="1200" dirty="0"/>
+                    </a:p>
+                  </a:txBody>
+                  <a:tcPr/>
+                </a:tc>
+                <a:extLst>
+                  <a:ext uri="{0D108BD9-81ED-4DB2-BD59-A6C34878D82A}">
+                    <a16:rowId xmlns:a16="http://schemas.microsoft.com/office/drawing/2014/main" val="4011658933"/>
+                  </a:ext>
+                </a:extLst>
+              </a:tr>
+              <a:tr h="476594">
+                <a:tc rowSpan="2">
+                  <a:txBody>
+                    <a:bodyPr/>
+                    <a:lstStyle/>
+                    <a:p>
+                      <a:r>
+                        <a:rPr kumimoji="1" lang="ja-JP" altLang="en-US" sz="1200" dirty="0"/>
+                        <a:t>設計</a:t>
+                      </a:r>
+                    </a:p>
+                  </a:txBody>
+                  <a:tcPr>
+                    <a:lnB w="12700" cap="flat" cmpd="sng" algn="ctr">
+                      <a:solidFill>
+                        <a:schemeClr val="accent5">
+                          <a:lumMod val="40000"/>
+                          <a:lumOff val="60000"/>
+                        </a:schemeClr>
+                      </a:solidFill>
+                      <a:prstDash val="solid"/>
+                      <a:round/>
+                      <a:headEnd type="none" w="med" len="med"/>
+                      <a:tailEnd type="none" w="med" len="med"/>
+                    </a:lnB>
+                  </a:tcPr>
+                </a:tc>
+                <a:tc>
+                  <a:txBody>
+                    <a:bodyPr/>
+                    <a:lstStyle/>
+                    <a:p>
+                      <a:r>
+                        <a:rPr kumimoji="1" lang="ja-JP" altLang="en-US" sz="1200" dirty="0"/>
+                        <a:t>基本設計</a:t>
+                      </a:r>
+                    </a:p>
+                  </a:txBody>
+                  <a:tcPr/>
+                </a:tc>
+                <a:tc>
+                  <a:txBody>
+                    <a:bodyPr/>
+                    <a:lstStyle/>
+                    <a:p>
+                      <a:endParaRPr kumimoji="1" lang="ja-JP" altLang="en-US" sz="1200" dirty="0"/>
+                    </a:p>
+                  </a:txBody>
+                  <a:tcPr/>
+                </a:tc>
+                <a:tc>
+                  <a:txBody>
+                    <a:bodyPr/>
+                    <a:lstStyle/>
+                    <a:p>
+                      <a:r>
+                        <a:rPr lang="ja-JP" altLang="en-US" sz="1200" dirty="0"/>
+                        <a:t>システムの構造や主要機能の設計を行う段階。</a:t>
+                      </a:r>
+                      <a:r>
+                        <a:rPr lang="en-US" altLang="ja-JP" sz="1200" dirty="0"/>
+                        <a:t>UI</a:t>
+                      </a:r>
+                      <a:r>
+                        <a:rPr lang="ja-JP" altLang="en-US" sz="1200" dirty="0"/>
+                        <a:t>、機能、データ構造を定義する。</a:t>
+                      </a:r>
+                      <a:endParaRPr kumimoji="1" lang="ja-JP" altLang="en-US" sz="1200" dirty="0"/>
+                    </a:p>
+                  </a:txBody>
+                  <a:tcPr/>
+                </a:tc>
+                <a:tc>
+                  <a:txBody>
+                    <a:bodyPr/>
+                    <a:lstStyle/>
+                    <a:p>
+                      <a:r>
+                        <a:rPr kumimoji="1" lang="ja-JP" altLang="en-US" sz="1200" dirty="0"/>
+                        <a:t>・</a:t>
+                      </a:r>
+                      <a:r>
+                        <a:rPr kumimoji="1" lang="en-US" altLang="ja-JP" sz="1200" dirty="0"/>
+                        <a:t>UI</a:t>
+                      </a:r>
+                      <a:r>
+                        <a:rPr kumimoji="1" lang="ja-JP" altLang="en-US" sz="1200" dirty="0"/>
+                        <a:t>、機能、データを定義する。</a:t>
+                      </a:r>
+                    </a:p>
+                  </a:txBody>
+                  <a:tcPr/>
+                </a:tc>
+                <a:extLst>
+                  <a:ext uri="{0D108BD9-81ED-4DB2-BD59-A6C34878D82A}">
+                    <a16:rowId xmlns:a16="http://schemas.microsoft.com/office/drawing/2014/main" val="4069234773"/>
+                  </a:ext>
+                </a:extLst>
+              </a:tr>
+              <a:tr h="476594">
+                <a:tc vMerge="1">
+                  <a:txBody>
+                    <a:bodyPr/>
+                    <a:lstStyle/>
+                    <a:p>
+                      <a:endParaRPr kumimoji="1" lang="ja-JP" altLang="en-US" sz="1400" dirty="0"/>
+                    </a:p>
+                  </a:txBody>
+                  <a:tcPr/>
+                </a:tc>
+                <a:tc>
+                  <a:txBody>
+                    <a:bodyPr/>
+                    <a:lstStyle/>
+                    <a:p>
+                      <a:r>
+                        <a:rPr kumimoji="1" lang="ja-JP" altLang="en-US" sz="1200" dirty="0"/>
+                        <a:t>詳細設計</a:t>
+                      </a:r>
+                    </a:p>
+                  </a:txBody>
+                  <a:tcPr/>
+                </a:tc>
+                <a:tc>
+                  <a:txBody>
+                    <a:bodyPr/>
+                    <a:lstStyle/>
+                    <a:p>
+                      <a:endParaRPr kumimoji="1" lang="ja-JP" altLang="en-US" sz="1200" dirty="0"/>
+                    </a:p>
+                  </a:txBody>
+                  <a:tcPr/>
+                </a:tc>
+                <a:tc>
+                  <a:txBody>
+                    <a:bodyPr/>
+                    <a:lstStyle/>
+                    <a:p>
+                      <a:r>
+                        <a:rPr lang="ja-JP" altLang="en-US" sz="1200" dirty="0"/>
+                        <a:t>基本設計を基に、各モジュールの内部構造や処理ロジックを詳細に設計する段階。</a:t>
+                      </a:r>
+                      <a:endParaRPr kumimoji="1" lang="ja-JP" altLang="en-US" sz="1200" dirty="0"/>
+                    </a:p>
+                  </a:txBody>
+                  <a:tcPr/>
+                </a:tc>
+                <a:tc>
+                  <a:txBody>
+                    <a:bodyPr/>
+                    <a:lstStyle/>
+                    <a:p>
+                      <a:endParaRPr kumimoji="1" lang="ja-JP" altLang="en-US" sz="1200" dirty="0"/>
+                    </a:p>
+                  </a:txBody>
+                  <a:tcPr/>
+                </a:tc>
+                <a:extLst>
+                  <a:ext uri="{0D108BD9-81ED-4DB2-BD59-A6C34878D82A}">
+                    <a16:rowId xmlns:a16="http://schemas.microsoft.com/office/drawing/2014/main" val="2783633027"/>
+                  </a:ext>
+                </a:extLst>
+              </a:tr>
+              <a:tr h="476594">
+                <a:tc rowSpan="3">
+                  <a:txBody>
+                    <a:bodyPr/>
+                    <a:lstStyle/>
+                    <a:p>
+                      <a:r>
+                        <a:rPr kumimoji="1" lang="ja-JP" altLang="en-US" sz="1200" dirty="0"/>
+                        <a:t>開発</a:t>
+                      </a:r>
+                    </a:p>
+                  </a:txBody>
+                  <a:tcPr>
+                    <a:lnT w="12700" cap="flat" cmpd="sng" algn="ctr">
+                      <a:solidFill>
+                        <a:schemeClr val="accent5">
+                          <a:lumMod val="40000"/>
+                          <a:lumOff val="60000"/>
+                        </a:schemeClr>
+                      </a:solidFill>
+                      <a:prstDash val="solid"/>
+                      <a:round/>
+                      <a:headEnd type="none" w="med" len="med"/>
+                      <a:tailEnd type="none" w="med" len="med"/>
+                    </a:lnT>
+                  </a:tcPr>
+                </a:tc>
+                <a:tc>
+                  <a:txBody>
+                    <a:bodyPr/>
+                    <a:lstStyle/>
+                    <a:p>
+                      <a:r>
+                        <a:rPr kumimoji="1" lang="ja-JP" altLang="en-US" sz="1200" dirty="0"/>
+                        <a:t>開発</a:t>
+                      </a:r>
+                    </a:p>
+                  </a:txBody>
+                  <a:tcPr/>
+                </a:tc>
+                <a:tc>
+                  <a:txBody>
+                    <a:bodyPr/>
+                    <a:lstStyle/>
+                    <a:p>
+                      <a:endParaRPr kumimoji="1" lang="ja-JP" altLang="en-US" sz="1200"/>
+                    </a:p>
+                  </a:txBody>
+                  <a:tcPr/>
+                </a:tc>
+                <a:tc>
+                  <a:txBody>
+                    <a:bodyPr/>
+                    <a:lstStyle/>
+                    <a:p>
+                      <a:r>
+                        <a:rPr lang="ja-JP" altLang="en-US" sz="1200" dirty="0"/>
+                        <a:t>設計に基づいてプログラムを作成する段階。コーディングやテストコードによるテストを行う。</a:t>
+                      </a:r>
+                      <a:endParaRPr kumimoji="1" lang="ja-JP" altLang="en-US" sz="1200" dirty="0"/>
+                    </a:p>
+                  </a:txBody>
+                  <a:tcPr/>
+                </a:tc>
+                <a:tc>
+                  <a:txBody>
+                    <a:bodyPr/>
+                    <a:lstStyle/>
+                    <a:p>
+                      <a:endParaRPr kumimoji="1" lang="ja-JP" altLang="en-US" sz="1200" dirty="0"/>
+                    </a:p>
+                  </a:txBody>
+                  <a:tcPr/>
+                </a:tc>
+                <a:extLst>
+                  <a:ext uri="{0D108BD9-81ED-4DB2-BD59-A6C34878D82A}">
+                    <a16:rowId xmlns:a16="http://schemas.microsoft.com/office/drawing/2014/main" val="1806646782"/>
+                  </a:ext>
+                </a:extLst>
+              </a:tr>
+              <a:tr h="476594">
+                <a:tc vMerge="1">
+                  <a:txBody>
+                    <a:bodyPr/>
+                    <a:lstStyle/>
+                    <a:p>
+                      <a:endParaRPr kumimoji="1" lang="ja-JP" altLang="en-US" sz="1400" dirty="0"/>
+                    </a:p>
+                  </a:txBody>
+                  <a:tcPr/>
+                </a:tc>
+                <a:tc>
+                  <a:txBody>
+                    <a:bodyPr/>
+                    <a:lstStyle/>
+                    <a:p>
+                      <a:r>
+                        <a:rPr kumimoji="1" lang="ja-JP" altLang="en-US" sz="1200" dirty="0"/>
+                        <a:t>単体テスト</a:t>
+                      </a:r>
+                    </a:p>
+                  </a:txBody>
+                  <a:tcPr/>
+                </a:tc>
+                <a:tc>
+                  <a:txBody>
+                    <a:bodyPr/>
+                    <a:lstStyle/>
+                    <a:p>
+                      <a:endParaRPr kumimoji="1" lang="ja-JP" altLang="en-US" sz="1200"/>
+                    </a:p>
+                  </a:txBody>
+                  <a:tcPr/>
+                </a:tc>
+                <a:tc>
+                  <a:txBody>
+                    <a:bodyPr/>
+                    <a:lstStyle/>
+                    <a:p>
+                      <a:r>
+                        <a:rPr lang="ja-JP" altLang="en-US" sz="1200" dirty="0"/>
+                        <a:t>個々のモジュールやコンポーネントが正しく動作するかを確認するテスト段階。</a:t>
+                      </a:r>
+                      <a:endParaRPr kumimoji="1" lang="ja-JP" altLang="en-US" sz="1200" dirty="0"/>
+                    </a:p>
+                  </a:txBody>
+                  <a:tcPr/>
+                </a:tc>
+                <a:tc>
+                  <a:txBody>
+                    <a:bodyPr/>
+                    <a:lstStyle/>
+                    <a:p>
+                      <a:r>
+                        <a:rPr kumimoji="1" lang="ja-JP" altLang="en-US" sz="1200" dirty="0"/>
+                        <a:t>・サブシステム単体のテストなど</a:t>
+                      </a:r>
+                    </a:p>
+                  </a:txBody>
+                  <a:tcPr/>
+                </a:tc>
+                <a:extLst>
+                  <a:ext uri="{0D108BD9-81ED-4DB2-BD59-A6C34878D82A}">
+                    <a16:rowId xmlns:a16="http://schemas.microsoft.com/office/drawing/2014/main" val="946475681"/>
+                  </a:ext>
+                </a:extLst>
+              </a:tr>
+              <a:tr h="476594">
+                <a:tc vMerge="1">
+                  <a:txBody>
+                    <a:bodyPr/>
+                    <a:lstStyle/>
+                    <a:p>
+                      <a:endParaRPr kumimoji="1" lang="ja-JP" altLang="en-US" sz="1400" dirty="0"/>
+                    </a:p>
+                  </a:txBody>
+                  <a:tcPr/>
+                </a:tc>
+                <a:tc>
+                  <a:txBody>
+                    <a:bodyPr/>
+                    <a:lstStyle/>
+                    <a:p>
+                      <a:r>
+                        <a:rPr kumimoji="1" lang="ja-JP" altLang="en-US" sz="1200" dirty="0"/>
+                        <a:t>結合テスト</a:t>
+                      </a:r>
+                    </a:p>
+                  </a:txBody>
+                  <a:tcPr/>
+                </a:tc>
+                <a:tc>
+                  <a:txBody>
+                    <a:bodyPr/>
+                    <a:lstStyle/>
+                    <a:p>
+                      <a:endParaRPr kumimoji="1" lang="ja-JP" altLang="en-US" sz="1200" dirty="0"/>
+                    </a:p>
+                  </a:txBody>
+                  <a:tcPr/>
+                </a:tc>
+                <a:tc>
+                  <a:txBody>
+                    <a:bodyPr/>
+                    <a:lstStyle/>
+                    <a:p>
+                      <a:r>
+                        <a:rPr lang="ja-JP" altLang="en-US" sz="1200" dirty="0"/>
+                        <a:t>複数のモジュールを組み合わせて、それらが正しく連携して動作するかを確認するテスト段階。</a:t>
+                      </a:r>
+                      <a:endParaRPr kumimoji="1" lang="ja-JP" altLang="en-US" sz="1200" dirty="0"/>
+                    </a:p>
+                  </a:txBody>
+                  <a:tcPr/>
+                </a:tc>
+                <a:tc>
+                  <a:txBody>
+                    <a:bodyPr/>
+                    <a:lstStyle/>
+                    <a:p>
+                      <a:r>
+                        <a:rPr kumimoji="1" lang="ja-JP" altLang="en-US" sz="1200" dirty="0"/>
+                        <a:t>・複数サブシステムのテストなど</a:t>
+                      </a:r>
+                    </a:p>
+                  </a:txBody>
+                  <a:tcPr/>
+                </a:tc>
+                <a:extLst>
+                  <a:ext uri="{0D108BD9-81ED-4DB2-BD59-A6C34878D82A}">
+                    <a16:rowId xmlns:a16="http://schemas.microsoft.com/office/drawing/2014/main" val="2109263847"/>
+                  </a:ext>
+                </a:extLst>
+              </a:tr>
+              <a:tr h="476594">
+                <a:tc rowSpan="2">
+                  <a:txBody>
+                    <a:bodyPr/>
+                    <a:lstStyle/>
+                    <a:p>
+                      <a:r>
+                        <a:rPr kumimoji="1" lang="ja-JP" altLang="en-US" sz="1200" dirty="0"/>
+                        <a:t>テスト</a:t>
+                      </a:r>
+                    </a:p>
+                  </a:txBody>
+                  <a:tcPr/>
+                </a:tc>
+                <a:tc>
+                  <a:txBody>
+                    <a:bodyPr/>
+                    <a:lstStyle/>
+                    <a:p>
+                      <a:r>
+                        <a:rPr kumimoji="1" lang="ja-JP" altLang="en-US" sz="1200" dirty="0"/>
+                        <a:t>システムテスト</a:t>
+                      </a:r>
+                    </a:p>
+                  </a:txBody>
+                  <a:tcPr/>
+                </a:tc>
+                <a:tc>
+                  <a:txBody>
+                    <a:bodyPr/>
+                    <a:lstStyle/>
+                    <a:p>
+                      <a:r>
+                        <a:rPr kumimoji="1" lang="ja-JP" altLang="en-US" sz="1200" dirty="0"/>
+                        <a:t>結合テスト</a:t>
+                      </a:r>
+                    </a:p>
+                  </a:txBody>
+                  <a:tcPr/>
+                </a:tc>
+                <a:tc>
+                  <a:txBody>
+                    <a:bodyPr/>
+                    <a:lstStyle/>
+                    <a:p>
+                      <a:r>
+                        <a:rPr lang="ja-JP" altLang="en-US" sz="1200" dirty="0"/>
+                        <a:t>システム全体が要件を満たしているかを確認するテスト段階。性能や負荷のテストも含む。</a:t>
+                      </a:r>
+                      <a:endParaRPr kumimoji="1" lang="ja-JP" altLang="en-US" sz="1200" dirty="0"/>
+                    </a:p>
+                  </a:txBody>
+                  <a:tcPr/>
+                </a:tc>
+                <a:tc>
+                  <a:txBody>
+                    <a:bodyPr/>
+                    <a:lstStyle/>
+                    <a:p>
+                      <a:r>
+                        <a:rPr kumimoji="1" lang="ja-JP" altLang="en-US" sz="1200" dirty="0"/>
+                        <a:t>・本番 </a:t>
+                      </a:r>
+                      <a:r>
+                        <a:rPr kumimoji="1" lang="en-US" altLang="ja-JP" sz="1200" dirty="0"/>
+                        <a:t>or </a:t>
+                      </a:r>
+                      <a:r>
+                        <a:rPr kumimoji="1" lang="ja-JP" altLang="en-US" sz="1200" dirty="0"/>
+                        <a:t>準本番環境によるテストなど</a:t>
+                      </a:r>
+                    </a:p>
+                  </a:txBody>
+                  <a:tcPr/>
+                </a:tc>
+                <a:extLst>
+                  <a:ext uri="{0D108BD9-81ED-4DB2-BD59-A6C34878D82A}">
+                    <a16:rowId xmlns:a16="http://schemas.microsoft.com/office/drawing/2014/main" val="1038953830"/>
+                  </a:ext>
+                </a:extLst>
+              </a:tr>
+              <a:tr h="476594">
+                <a:tc vMerge="1">
+                  <a:txBody>
+                    <a:bodyPr/>
+                    <a:lstStyle/>
+                    <a:p>
+                      <a:endParaRPr kumimoji="1" lang="ja-JP" altLang="en-US" sz="1400" dirty="0"/>
+                    </a:p>
+                  </a:txBody>
+                  <a:tcPr/>
+                </a:tc>
+                <a:tc>
+                  <a:txBody>
+                    <a:bodyPr/>
+                    <a:lstStyle/>
+                    <a:p>
+                      <a:r>
+                        <a:rPr kumimoji="1" lang="ja-JP" altLang="en-US" sz="1200" dirty="0"/>
+                        <a:t>ユーザーテスト</a:t>
+                      </a:r>
+                    </a:p>
+                  </a:txBody>
+                  <a:tcPr/>
+                </a:tc>
+                <a:tc>
+                  <a:txBody>
+                    <a:bodyPr/>
+                    <a:lstStyle/>
+                    <a:p>
+                      <a:r>
+                        <a:rPr kumimoji="1" lang="en-US" altLang="ja-JP" sz="1200" dirty="0"/>
+                        <a:t>UAT</a:t>
+                      </a:r>
+                      <a:r>
+                        <a:rPr kumimoji="1" lang="ja-JP" altLang="en-US" sz="1200" dirty="0"/>
+                        <a:t>、受け入れテスト</a:t>
+                      </a:r>
+                    </a:p>
+                  </a:txBody>
+                  <a:tcPr/>
+                </a:tc>
+                <a:tc>
+                  <a:txBody>
+                    <a:bodyPr/>
+                    <a:lstStyle/>
+                    <a:p>
+                      <a:r>
+                        <a:rPr lang="ja-JP" altLang="en-US" sz="1200" dirty="0"/>
+                        <a:t>実際のユーザーがシステムを使用して、操作性や実用性を確認するテスト段階。</a:t>
+                      </a:r>
+                      <a:endParaRPr kumimoji="1" lang="ja-JP" altLang="en-US" sz="1200" dirty="0"/>
+                    </a:p>
+                  </a:txBody>
+                  <a:tcPr/>
+                </a:tc>
+                <a:tc>
+                  <a:txBody>
+                    <a:bodyPr/>
+                    <a:lstStyle/>
+                    <a:p>
+                      <a:endParaRPr kumimoji="1" lang="ja-JP" altLang="en-US" sz="1200" dirty="0"/>
+                    </a:p>
+                  </a:txBody>
+                  <a:tcPr/>
+                </a:tc>
+                <a:extLst>
+                  <a:ext uri="{0D108BD9-81ED-4DB2-BD59-A6C34878D82A}">
+                    <a16:rowId xmlns:a16="http://schemas.microsoft.com/office/drawing/2014/main" val="1629822450"/>
+                  </a:ext>
+                </a:extLst>
+              </a:tr>
+            </a:tbl>
+          </a:graphicData>
+        </a:graphic>
+      </p:graphicFrame>
+    </p:spTree>
+    <p:extLst>
+      <p:ext uri="{BB962C8B-B14F-4D97-AF65-F5344CB8AC3E}">
+        <p14:creationId xmlns:p14="http://schemas.microsoft.com/office/powerpoint/2010/main" val="3707517257"/>
+      </p:ext>
+    </p:extLst>
+  </p:cSld>
+  <p:clrMapOvr>
+    <a:masterClrMapping/>
+  </p:clrMapOvr>
+</p:sld>
+</file>
+
+<file path=ppt/slides/slide4.xml><?xml version="1.0" encoding="utf-8"?>
+<p:sld xmlns:a="http://schemas.openxmlformats.org/drawingml/2006/main" xmlns:r="http://schemas.openxmlformats.org/officeDocument/2006/relationships" xmlns:p="http://schemas.openxmlformats.org/presentationml/2006/main">
+  <p:cSld>
+    <p:spTree>
+      <p:nvGrpSpPr>
+        <p:cNvPr id="1" name=""/>
+        <p:cNvGrpSpPr/>
+        <p:nvPr/>
+      </p:nvGrpSpPr>
+      <p:grpSpPr>
+        <a:xfrm>
+          <a:off x="0" y="0"/>
+          <a:ext cx="0" cy="0"/>
+          <a:chOff x="0" y="0"/>
+          <a:chExt cx="0" cy="0"/>
+        </a:xfrm>
+      </p:grpSpPr>
+      <p:sp>
+        <p:nvSpPr>
+          <p:cNvPr id="4" name="スライド番号プレースホルダー 3">
+            <a:extLst>
+              <a:ext uri="{FF2B5EF4-FFF2-40B4-BE49-F238E27FC236}">
+                <a16:creationId xmlns:a16="http://schemas.microsoft.com/office/drawing/2014/main" id="{F227F809-A974-77B7-A4CD-F1121AE69088}"/>
+              </a:ext>
+            </a:extLst>
+          </p:cNvPr>
+          <p:cNvSpPr>
+            <a:spLocks noGrp="1"/>
+          </p:cNvSpPr>
+          <p:nvPr>
+            <p:ph type="sldNum" sz="quarter" idx="12"/>
+          </p:nvPr>
+        </p:nvSpPr>
+        <p:spPr/>
+        <p:txBody>
+          <a:bodyPr/>
+          <a:lstStyle/>
+          <a:p>
+            <a:fld id="{A49DFD55-3C28-40EF-9E31-A92D2E4017FF}" type="slidenum">
+              <a:rPr lang="en-US" altLang="ja-JP" smtClean="0"/>
+              <a:pPr/>
+              <a:t>4</a:t>
             </a:fld>
             <a:endParaRPr lang="en-US" altLang="en-US" dirty="0"/>
           </a:p>

--- a/water-fall/システム開発の進め方.pptx
+++ b/water-fall/システム開発の進め方.pptx
@@ -237,7 +237,7 @@
                 <a:latin typeface="Meiryo UI" panose="020B0604030504040204" pitchFamily="50" charset="-128"/>
                 <a:ea typeface="Meiryo UI" panose="020B0604030504040204" pitchFamily="50" charset="-128"/>
               </a:rPr>
-              <a:t>2024/6/25</a:t>
+              <a:t>2024/7/3</a:t>
             </a:fld>
             <a:endParaRPr lang="ja-JP" dirty="0">
               <a:latin typeface="Meiryo UI" panose="020B0604030504040204" pitchFamily="50" charset="-128"/>
@@ -437,7 +437,7 @@
           <a:p>
             <a:fld id="{E3D54C56-56CB-4310-BBD3-0C7DA2EFBA3C}" type="datetime1">
               <a:rPr lang="ja-JP" altLang="en-US" smtClean="0"/>
-              <a:t>2024/6/25</a:t>
+              <a:t>2024/7/3</a:t>
             </a:fld>
             <a:endParaRPr lang="en-US" dirty="0">
               <a:ea typeface="Meiryo UI" panose="020B0604030504040204" pitchFamily="50" charset="-128"/>
@@ -8534,7 +8534,7 @@
         <p:spPr>
           <a:xfrm>
             <a:off x="1343472" y="3296558"/>
-            <a:ext cx="3077333" cy="1644610"/>
+            <a:ext cx="3077333" cy="1861006"/>
           </a:xfrm>
           <a:prstGeom prst="ellipse">
             <a:avLst/>
@@ -8649,7 +8649,12 @@
               <a:rPr kumimoji="1" lang="en-US" altLang="ja-JP" sz="1000" dirty="0"/>
               <a:t>As-Is/To-Be</a:t>
             </a:r>
-            <a:endParaRPr kumimoji="1" lang="ja-JP" altLang="en-US" sz="1000" dirty="0"/>
+          </a:p>
+          <a:p>
+            <a:r>
+              <a:rPr kumimoji="1" lang="ja-JP" altLang="en-US" sz="1000" dirty="0"/>
+              <a:t>・課題管理表</a:t>
+            </a:r>
           </a:p>
         </p:txBody>
       </p:sp>
@@ -9163,7 +9168,7 @@
           <a:p>
             <a:r>
               <a:rPr kumimoji="1" lang="ja-JP" altLang="en-US" sz="1000" dirty="0"/>
-              <a:t>・残件一覧</a:t>
+              <a:t>・残件管理表</a:t>
             </a:r>
           </a:p>
         </p:txBody>
@@ -12236,6 +12241,35 @@
 </file>
 
 <file path=customXml/item1.xml><?xml version="1.0" encoding="utf-8"?>
+<p:properties xmlns:p="http://schemas.microsoft.com/office/2006/metadata/properties" xmlns:xsi="http://www.w3.org/2001/XMLSchema-instance" xmlns:pc="http://schemas.microsoft.com/office/infopath/2007/PartnerControls">
+  <documentManagement>
+    <_ip_UnifiedCompliancePolicyUIAction xmlns="http://schemas.microsoft.com/sharepoint/v3" xsi:nil="true"/>
+    <Image xmlns="71af3243-3dd4-4a8d-8c0d-dd76da1f02a5">
+      <Url xsi:nil="true"/>
+      <Description xsi:nil="true"/>
+    </Image>
+    <Status xmlns="71af3243-3dd4-4a8d-8c0d-dd76da1f02a5">Not started</Status>
+    <Background xmlns="71af3243-3dd4-4a8d-8c0d-dd76da1f02a5">false</Background>
+    <_ip_UnifiedCompliancePolicyProperties xmlns="http://schemas.microsoft.com/sharepoint/v3" xsi:nil="true"/>
+    <ImageTagsTaxHTField xmlns="71af3243-3dd4-4a8d-8c0d-dd76da1f02a5">
+      <Terms xmlns="http://schemas.microsoft.com/office/infopath/2007/PartnerControls"/>
+    </ImageTagsTaxHTField>
+    <TaxCatchAll xmlns="230e9df3-be65-4c73-a93b-d1236ebd677e" xsi:nil="true"/>
+    <MediaServiceKeyPoints xmlns="71af3243-3dd4-4a8d-8c0d-dd76da1f02a5" xsi:nil="true"/>
+  </documentManagement>
+</p:properties>
+</file>
+
+<file path=customXml/item2.xml><?xml version="1.0" encoding="utf-8"?>
+<?mso-contentType ?>
+<FormTemplates xmlns="http://schemas.microsoft.com/sharepoint/v3/contenttype/forms">
+  <Display>DocumentLibraryForm</Display>
+  <Edit>DocumentLibraryForm</Edit>
+  <New>DocumentLibraryForm</New>
+</FormTemplates>
+</file>
+
+<file path=customXml/item3.xml><?xml version="1.0" encoding="utf-8"?>
 <ct:contentTypeSchema xmlns:ct="http://schemas.microsoft.com/office/2006/metadata/contentType" xmlns:ma="http://schemas.microsoft.com/office/2006/metadata/properties/metaAttributes" ct:_="" ma:_="" ma:contentTypeName="Document" ma:contentTypeID="0x01010079F111ED35F8CC479449609E8A0923A6" ma:contentTypeVersion="28" ma:contentTypeDescription="Create a new document." ma:contentTypeScope="" ma:versionID="60f5a4f2d2b0abadcf532d48ebf9cb71">
   <xsd:schema xmlns:xsd="http://www.w3.org/2001/XMLSchema" xmlns:xs="http://www.w3.org/2001/XMLSchema" xmlns:p="http://schemas.microsoft.com/office/2006/metadata/properties" xmlns:ns1="http://schemas.microsoft.com/sharepoint/v3" xmlns:ns2="71af3243-3dd4-4a8d-8c0d-dd76da1f02a5" xmlns:ns3="16c05727-aa75-4e4a-9b5f-8a80a1165891" xmlns:ns4="230e9df3-be65-4c73-a93b-d1236ebd677e" targetNamespace="http://schemas.microsoft.com/office/2006/metadata/properties" ma:root="true" ma:fieldsID="7dd78129e6a1811f84807ad11c651531" ns1:_="" ns2:_="" ns3:_="" ns4:_="">
     <xsd:import namespace="http://schemas.microsoft.com/sharepoint/v3"/>
@@ -12547,36 +12581,27 @@
 </ct:contentTypeSchema>
 </file>
 
-<file path=customXml/item2.xml><?xml version="1.0" encoding="utf-8"?>
-<?mso-contentType ?>
-<FormTemplates xmlns="http://schemas.microsoft.com/sharepoint/v3/contenttype/forms">
-  <Display>DocumentLibraryForm</Display>
-  <Edit>DocumentLibraryForm</Edit>
-  <New>DocumentLibraryForm</New>
-</FormTemplates>
+<file path=customXml/itemProps1.xml><?xml version="1.0" encoding="utf-8"?>
+<ds:datastoreItem xmlns:ds="http://schemas.openxmlformats.org/officeDocument/2006/customXml" ds:itemID="{49168DCE-134F-4610-A6AA-88CEBE8D71D2}">
+  <ds:schemaRefs>
+    <ds:schemaRef ds:uri="http://schemas.microsoft.com/office/2006/metadata/properties"/>
+    <ds:schemaRef ds:uri="http://schemas.microsoft.com/office/infopath/2007/PartnerControls"/>
+    <ds:schemaRef ds:uri="http://schemas.microsoft.com/sharepoint/v3"/>
+    <ds:schemaRef ds:uri="71af3243-3dd4-4a8d-8c0d-dd76da1f02a5"/>
+    <ds:schemaRef ds:uri="230e9df3-be65-4c73-a93b-d1236ebd677e"/>
+  </ds:schemaRefs>
+</ds:datastoreItem>
 </file>
 
-<file path=customXml/item3.xml><?xml version="1.0" encoding="utf-8"?>
-<p:properties xmlns:p="http://schemas.microsoft.com/office/2006/metadata/properties" xmlns:xsi="http://www.w3.org/2001/XMLSchema-instance" xmlns:pc="http://schemas.microsoft.com/office/infopath/2007/PartnerControls">
-  <documentManagement>
-    <_ip_UnifiedCompliancePolicyUIAction xmlns="http://schemas.microsoft.com/sharepoint/v3" xsi:nil="true"/>
-    <Image xmlns="71af3243-3dd4-4a8d-8c0d-dd76da1f02a5">
-      <Url xsi:nil="true"/>
-      <Description xsi:nil="true"/>
-    </Image>
-    <Status xmlns="71af3243-3dd4-4a8d-8c0d-dd76da1f02a5">Not started</Status>
-    <Background xmlns="71af3243-3dd4-4a8d-8c0d-dd76da1f02a5">false</Background>
-    <_ip_UnifiedCompliancePolicyProperties xmlns="http://schemas.microsoft.com/sharepoint/v3" xsi:nil="true"/>
-    <ImageTagsTaxHTField xmlns="71af3243-3dd4-4a8d-8c0d-dd76da1f02a5">
-      <Terms xmlns="http://schemas.microsoft.com/office/infopath/2007/PartnerControls"/>
-    </ImageTagsTaxHTField>
-    <TaxCatchAll xmlns="230e9df3-be65-4c73-a93b-d1236ebd677e" xsi:nil="true"/>
-    <MediaServiceKeyPoints xmlns="71af3243-3dd4-4a8d-8c0d-dd76da1f02a5" xsi:nil="true"/>
-  </documentManagement>
-</p:properties>
+<file path=customXml/itemProps2.xml><?xml version="1.0" encoding="utf-8"?>
+<ds:datastoreItem xmlns:ds="http://schemas.openxmlformats.org/officeDocument/2006/customXml" ds:itemID="{CABF691C-888B-4061-8A6F-D5CE84A0254B}">
+  <ds:schemaRefs>
+    <ds:schemaRef ds:uri="http://schemas.microsoft.com/sharepoint/v3/contenttype/forms"/>
+  </ds:schemaRefs>
+</ds:datastoreItem>
 </file>
 
-<file path=customXml/itemProps1.xml><?xml version="1.0" encoding="utf-8"?>
+<file path=customXml/itemProps3.xml><?xml version="1.0" encoding="utf-8"?>
 <ds:datastoreItem xmlns:ds="http://schemas.openxmlformats.org/officeDocument/2006/customXml" ds:itemID="{5EDE3176-A15D-46A3-BDDB-64A0D7363224}">
   <ds:schemaRefs>
     <ds:schemaRef ds:uri="http://schemas.microsoft.com/office/2006/metadata/contentType"/>
@@ -12597,26 +12622,6 @@
 </ds:datastoreItem>
 </file>
 
-<file path=customXml/itemProps2.xml><?xml version="1.0" encoding="utf-8"?>
-<ds:datastoreItem xmlns:ds="http://schemas.openxmlformats.org/officeDocument/2006/customXml" ds:itemID="{CABF691C-888B-4061-8A6F-D5CE84A0254B}">
-  <ds:schemaRefs>
-    <ds:schemaRef ds:uri="http://schemas.microsoft.com/sharepoint/v3/contenttype/forms"/>
-  </ds:schemaRefs>
-</ds:datastoreItem>
-</file>
-
-<file path=customXml/itemProps3.xml><?xml version="1.0" encoding="utf-8"?>
-<ds:datastoreItem xmlns:ds="http://schemas.openxmlformats.org/officeDocument/2006/customXml" ds:itemID="{49168DCE-134F-4610-A6AA-88CEBE8D71D2}">
-  <ds:schemaRefs>
-    <ds:schemaRef ds:uri="http://schemas.microsoft.com/office/2006/metadata/properties"/>
-    <ds:schemaRef ds:uri="http://schemas.microsoft.com/office/infopath/2007/PartnerControls"/>
-    <ds:schemaRef ds:uri="http://schemas.microsoft.com/sharepoint/v3"/>
-    <ds:schemaRef ds:uri="71af3243-3dd4-4a8d-8c0d-dd76da1f02a5"/>
-    <ds:schemaRef ds:uri="230e9df3-be65-4c73-a93b-d1236ebd677e"/>
-  </ds:schemaRefs>
-</ds:datastoreItem>
-</file>
-
 <file path=docMetadata/LabelInfo.xml><?xml version="1.0" encoding="utf-8"?>
 <clbl:labelList xmlns:clbl="http://schemas.microsoft.com/office/2020/mipLabelMetadata"/>
 </file>
--- a/water-fall/システム開発の進め方.pptx
+++ b/water-fall/システム開発の進め方.pptx
@@ -237,7 +237,7 @@
                 <a:latin typeface="Meiryo UI" panose="020B0604030504040204" pitchFamily="50" charset="-128"/>
                 <a:ea typeface="Meiryo UI" panose="020B0604030504040204" pitchFamily="50" charset="-128"/>
               </a:rPr>
-              <a:t>2024/7/3</a:t>
+              <a:t>2024/7/6</a:t>
             </a:fld>
             <a:endParaRPr lang="ja-JP" dirty="0">
               <a:latin typeface="Meiryo UI" panose="020B0604030504040204" pitchFamily="50" charset="-128"/>
@@ -437,7 +437,7 @@
           <a:p>
             <a:fld id="{E3D54C56-56CB-4310-BBD3-0C7DA2EFBA3C}" type="datetime1">
               <a:rPr lang="ja-JP" altLang="en-US" smtClean="0"/>
-              <a:t>2024/7/3</a:t>
+              <a:t>2024/7/6</a:t>
             </a:fld>
             <a:endParaRPr lang="en-US" dirty="0">
               <a:ea typeface="Meiryo UI" panose="020B0604030504040204" pitchFamily="50" charset="-128"/>
@@ -6494,11 +6494,13 @@
         </p:nvSpPr>
         <p:spPr>
           <a:xfrm>
-            <a:off x="479376" y="5697360"/>
-            <a:ext cx="10881526" cy="972000"/>
+            <a:off x="479376" y="5856616"/>
+            <a:ext cx="10881526" cy="886320"/>
           </a:xfrm>
           <a:prstGeom prst="roundRect">
-            <a:avLst/>
+            <a:avLst>
+              <a:gd name="adj" fmla="val 7260"/>
+            </a:avLst>
           </a:prstGeom>
           <a:ln>
             <a:solidFill>
@@ -6527,7 +6529,7 @@
           <a:lstStyle/>
           <a:p>
             <a:pPr algn="ctr"/>
-            <a:endParaRPr kumimoji="1" lang="ja-JP" altLang="en-US"/>
+            <a:endParaRPr kumimoji="1" lang="ja-JP" altLang="en-US" sz="1600"/>
           </a:p>
         </p:txBody>
       </p:sp>
@@ -6545,8 +6547,8 @@
         </p:nvSpPr>
         <p:spPr>
           <a:xfrm>
-            <a:off x="479376" y="4879033"/>
-            <a:ext cx="10881526" cy="612000"/>
+            <a:off x="479376" y="5038289"/>
+            <a:ext cx="10881526" cy="493067"/>
           </a:xfrm>
           <a:prstGeom prst="roundRect">
             <a:avLst/>
@@ -6578,7 +6580,7 @@
           <a:lstStyle/>
           <a:p>
             <a:pPr algn="ctr"/>
-            <a:endParaRPr kumimoji="1" lang="ja-JP" altLang="en-US"/>
+            <a:endParaRPr kumimoji="1" lang="ja-JP" altLang="en-US" sz="1600"/>
           </a:p>
         </p:txBody>
       </p:sp>
@@ -6625,7 +6627,7 @@
             </a:extLst>
           </p:cNvPr>
           <p:cNvSpPr>
-            <a:spLocks noGrp="1"/>
+            <a:spLocks/>
           </p:cNvSpPr>
           <p:nvPr>
             <p:ph type="sldNum" sz="quarter" idx="12"/>
@@ -7722,7 +7724,7 @@
         </p:nvCxnSpPr>
         <p:spPr>
           <a:xfrm>
-            <a:off x="648365" y="5283642"/>
+            <a:off x="648365" y="5344551"/>
             <a:ext cx="3719442" cy="0"/>
           </a:xfrm>
           <a:prstGeom prst="straightConnector1">
@@ -7762,8 +7764,8 @@
         </p:nvSpPr>
         <p:spPr>
           <a:xfrm>
-            <a:off x="2166829" y="4993795"/>
-            <a:ext cx="649537" cy="276999"/>
+            <a:off x="2186065" y="5054704"/>
+            <a:ext cx="611065" cy="261610"/>
           </a:xfrm>
           <a:prstGeom prst="rect">
             <a:avLst/>
@@ -7778,10 +7780,10 @@
           <a:p>
             <a:pPr algn="ctr"/>
             <a:r>
-              <a:rPr kumimoji="1" lang="en-US" altLang="ja-JP" sz="1200" dirty="0"/>
+              <a:rPr kumimoji="1" lang="en-US" altLang="ja-JP" sz="1100" dirty="0"/>
               <a:t>PM/PL</a:t>
             </a:r>
-            <a:endParaRPr kumimoji="1" lang="ja-JP" altLang="en-US" sz="1200" dirty="0"/>
+            <a:endParaRPr kumimoji="1" lang="ja-JP" altLang="en-US" sz="1100" dirty="0"/>
           </a:p>
         </p:txBody>
       </p:sp>
@@ -7801,7 +7803,7 @@
         </p:nvCxnSpPr>
         <p:spPr>
           <a:xfrm>
-            <a:off x="1844260" y="6046935"/>
+            <a:off x="1844260" y="6160471"/>
             <a:ext cx="5385240" cy="0"/>
           </a:xfrm>
           <a:prstGeom prst="straightConnector1">
@@ -7843,7 +7845,7 @@
         </p:nvCxnSpPr>
         <p:spPr>
           <a:xfrm>
-            <a:off x="7320136" y="6046935"/>
+            <a:off x="7320136" y="6160471"/>
             <a:ext cx="2016224" cy="0"/>
           </a:xfrm>
           <a:prstGeom prst="straightConnector1">
@@ -7886,7 +7888,7 @@
         </p:nvCxnSpPr>
         <p:spPr>
           <a:xfrm>
-            <a:off x="9407188" y="6046935"/>
+            <a:off x="9407188" y="6160471"/>
             <a:ext cx="936000" cy="0"/>
           </a:xfrm>
           <a:prstGeom prst="straightConnector1">
@@ -7926,8 +7928,8 @@
         </p:nvSpPr>
         <p:spPr>
           <a:xfrm>
-            <a:off x="4272754" y="5750660"/>
-            <a:ext cx="377026" cy="276999"/>
+            <a:off x="4280769" y="5864196"/>
+            <a:ext cx="360996" cy="261610"/>
           </a:xfrm>
           <a:prstGeom prst="rect">
             <a:avLst/>
@@ -7942,10 +7944,10 @@
           <a:p>
             <a:pPr algn="ctr"/>
             <a:r>
-              <a:rPr kumimoji="1" lang="en-US" altLang="ja-JP" sz="1200" dirty="0"/>
+              <a:rPr kumimoji="1" lang="en-US" altLang="ja-JP" sz="1100" dirty="0"/>
               <a:t>SE</a:t>
             </a:r>
-            <a:endParaRPr kumimoji="1" lang="ja-JP" altLang="en-US" sz="1200" dirty="0"/>
+            <a:endParaRPr kumimoji="1" lang="ja-JP" altLang="en-US" sz="1100" dirty="0"/>
           </a:p>
         </p:txBody>
       </p:sp>
@@ -7963,8 +7965,8 @@
         </p:nvSpPr>
         <p:spPr>
           <a:xfrm>
-            <a:off x="7967558" y="5750660"/>
-            <a:ext cx="684803" cy="276999"/>
+            <a:off x="7988397" y="5864196"/>
+            <a:ext cx="643125" cy="261610"/>
           </a:xfrm>
           <a:prstGeom prst="rect">
             <a:avLst/>
@@ -7979,15 +7981,15 @@
           <a:p>
             <a:pPr algn="ctr"/>
             <a:r>
-              <a:rPr kumimoji="1" lang="ja-JP" altLang="en-US" sz="1200" dirty="0"/>
+              <a:rPr kumimoji="1" lang="ja-JP" altLang="en-US" sz="1100" dirty="0"/>
               <a:t>（</a:t>
             </a:r>
             <a:r>
-              <a:rPr kumimoji="1" lang="en-US" altLang="ja-JP" sz="1200" dirty="0"/>
+              <a:rPr kumimoji="1" lang="en-US" altLang="ja-JP" sz="1100" dirty="0"/>
               <a:t>SE</a:t>
             </a:r>
             <a:r>
-              <a:rPr kumimoji="1" lang="ja-JP" altLang="en-US" sz="1200" dirty="0"/>
+              <a:rPr kumimoji="1" lang="ja-JP" altLang="en-US" sz="1100" dirty="0"/>
               <a:t>）</a:t>
             </a:r>
           </a:p>
@@ -8007,8 +8009,8 @@
         </p:nvSpPr>
         <p:spPr>
           <a:xfrm>
-            <a:off x="9680844" y="5750660"/>
-            <a:ext cx="377026" cy="276999"/>
+            <a:off x="9688859" y="5864196"/>
+            <a:ext cx="360996" cy="261610"/>
           </a:xfrm>
           <a:prstGeom prst="rect">
             <a:avLst/>
@@ -8023,10 +8025,10 @@
           <a:p>
             <a:pPr algn="ctr"/>
             <a:r>
-              <a:rPr kumimoji="1" lang="en-US" altLang="ja-JP" sz="1200" dirty="0"/>
+              <a:rPr kumimoji="1" lang="en-US" altLang="ja-JP" sz="1100" dirty="0"/>
               <a:t>SE</a:t>
             </a:r>
-            <a:endParaRPr kumimoji="1" lang="ja-JP" altLang="en-US" sz="1200" dirty="0"/>
+            <a:endParaRPr kumimoji="1" lang="ja-JP" altLang="en-US" sz="1100" dirty="0"/>
           </a:p>
         </p:txBody>
       </p:sp>
@@ -8046,7 +8048,7 @@
         </p:nvCxnSpPr>
         <p:spPr>
           <a:xfrm>
-            <a:off x="5920139" y="6487463"/>
+            <a:off x="5920139" y="6562899"/>
             <a:ext cx="3416221" cy="0"/>
           </a:xfrm>
           <a:prstGeom prst="straightConnector1">
@@ -8086,8 +8088,8 @@
         </p:nvSpPr>
         <p:spPr>
           <a:xfrm>
-            <a:off x="7409777" y="6191188"/>
-            <a:ext cx="388248" cy="276999"/>
+            <a:off x="7418594" y="6266624"/>
+            <a:ext cx="370614" cy="261610"/>
           </a:xfrm>
           <a:prstGeom prst="rect">
             <a:avLst/>
@@ -8102,10 +8104,10 @@
           <a:p>
             <a:pPr algn="ctr"/>
             <a:r>
-              <a:rPr kumimoji="1" lang="en-US" altLang="ja-JP" sz="1200" dirty="0"/>
+              <a:rPr kumimoji="1" lang="en-US" altLang="ja-JP" sz="1100" dirty="0"/>
               <a:t>PG</a:t>
             </a:r>
-            <a:endParaRPr kumimoji="1" lang="ja-JP" altLang="en-US" sz="1200" dirty="0"/>
+            <a:endParaRPr kumimoji="1" lang="ja-JP" altLang="en-US" sz="1100" dirty="0"/>
           </a:p>
         </p:txBody>
       </p:sp>
@@ -8125,7 +8127,7 @@
         </p:nvCxnSpPr>
         <p:spPr>
           <a:xfrm>
-            <a:off x="10380026" y="5283642"/>
+            <a:off x="10380026" y="5344551"/>
             <a:ext cx="839097" cy="0"/>
           </a:xfrm>
           <a:prstGeom prst="straightConnector1">
@@ -8165,8 +8167,8 @@
         </p:nvSpPr>
         <p:spPr>
           <a:xfrm>
-            <a:off x="10289472" y="4993795"/>
-            <a:ext cx="995785" cy="276999"/>
+            <a:off x="10322333" y="5054704"/>
+            <a:ext cx="930062" cy="261610"/>
           </a:xfrm>
           <a:prstGeom prst="rect">
             <a:avLst/>
@@ -8181,7 +8183,7 @@
           <a:p>
             <a:pPr algn="ctr"/>
             <a:r>
-              <a:rPr kumimoji="1" lang="ja-JP" altLang="en-US" sz="1200" dirty="0"/>
+              <a:rPr kumimoji="1" lang="ja-JP" altLang="en-US" sz="1100" dirty="0"/>
               <a:t>ユーザー部門</a:t>
             </a:r>
           </a:p>
@@ -8201,8 +8203,8 @@
         </p:nvSpPr>
         <p:spPr>
           <a:xfrm>
-            <a:off x="925921" y="4725144"/>
-            <a:ext cx="723275" cy="307777"/>
+            <a:off x="925921" y="4884400"/>
+            <a:ext cx="646331" cy="276999"/>
           </a:xfrm>
           <a:prstGeom prst="rect">
             <a:avLst/>
@@ -8218,7 +8220,7 @@
           <a:lstStyle/>
           <a:p>
             <a:r>
-              <a:rPr kumimoji="1" lang="ja-JP" altLang="en-US" sz="1400" b="1" dirty="0"/>
+              <a:rPr kumimoji="1" lang="ja-JP" altLang="en-US" sz="1200" b="1" dirty="0"/>
               <a:t>発注側</a:t>
             </a:r>
           </a:p>
@@ -8238,8 +8240,8 @@
         </p:nvSpPr>
         <p:spPr>
           <a:xfrm>
-            <a:off x="925921" y="5544591"/>
-            <a:ext cx="1673856" cy="307777"/>
+            <a:off x="925921" y="5703847"/>
+            <a:ext cx="1460656" cy="276999"/>
           </a:xfrm>
           <a:prstGeom prst="rect">
             <a:avLst/>
@@ -8255,7 +8257,7 @@
           <a:lstStyle/>
           <a:p>
             <a:r>
-              <a:rPr kumimoji="1" lang="ja-JP" altLang="en-US" sz="1400" b="1" dirty="0"/>
+              <a:rPr kumimoji="1" lang="ja-JP" altLang="en-US" sz="1200" b="1" dirty="0"/>
               <a:t>受注側（ベンダー）</a:t>
             </a:r>
           </a:p>
@@ -8275,8 +8277,8 @@
         </p:nvSpPr>
         <p:spPr>
           <a:xfrm>
-            <a:off x="2002343" y="2492896"/>
-            <a:ext cx="1025922" cy="153888"/>
+            <a:off x="2061390" y="2562568"/>
+            <a:ext cx="820738" cy="123111"/>
           </a:xfrm>
           <a:prstGeom prst="rect">
             <a:avLst/>
@@ -8291,7 +8293,7 @@
           <a:p>
             <a:pPr algn="ctr"/>
             <a:r>
-              <a:rPr kumimoji="1" lang="ja-JP" altLang="en-US" sz="1000" dirty="0">
+              <a:rPr kumimoji="1" lang="ja-JP" altLang="en-US" sz="800" dirty="0">
                 <a:effectLst>
                   <a:glow rad="101600">
                     <a:schemeClr val="bg1">
@@ -8319,8 +8321,8 @@
         </p:nvSpPr>
         <p:spPr>
           <a:xfrm>
-            <a:off x="3294949" y="2492896"/>
-            <a:ext cx="1173398" cy="153888"/>
+            <a:off x="3368423" y="2562568"/>
+            <a:ext cx="939360" cy="123111"/>
           </a:xfrm>
           <a:prstGeom prst="rect">
             <a:avLst/>
@@ -8335,7 +8337,7 @@
           <a:p>
             <a:pPr algn="ctr"/>
             <a:r>
-              <a:rPr kumimoji="1" lang="ja-JP" altLang="en-US" sz="1000" dirty="0">
+              <a:rPr kumimoji="1" lang="ja-JP" altLang="en-US" sz="800" dirty="0">
                 <a:effectLst>
                   <a:glow rad="101600">
                     <a:schemeClr val="bg1">
@@ -8363,8 +8365,8 @@
         </p:nvSpPr>
         <p:spPr>
           <a:xfrm>
-            <a:off x="9430294" y="2492896"/>
-            <a:ext cx="799899" cy="153888"/>
+            <a:off x="9466899" y="2562568"/>
+            <a:ext cx="639598" cy="123111"/>
           </a:xfrm>
           <a:prstGeom prst="rect">
             <a:avLst/>
@@ -8379,7 +8381,7 @@
           <a:p>
             <a:pPr algn="ctr"/>
             <a:r>
-              <a:rPr kumimoji="1" lang="ja-JP" altLang="en-US" sz="1000" dirty="0">
+              <a:rPr kumimoji="1" lang="ja-JP" altLang="en-US" sz="800" dirty="0">
                 <a:effectLst>
                   <a:glow rad="101600">
                     <a:schemeClr val="bg1">
@@ -8407,8 +8409,8 @@
         </p:nvSpPr>
         <p:spPr>
           <a:xfrm>
-            <a:off x="10302495" y="2492896"/>
-            <a:ext cx="1364156" cy="153888"/>
+            <a:off x="10394404" y="2562568"/>
+            <a:ext cx="1093248" cy="123111"/>
           </a:xfrm>
           <a:prstGeom prst="rect">
             <a:avLst/>
@@ -8423,7 +8425,7 @@
           <a:p>
             <a:pPr algn="ctr"/>
             <a:r>
-              <a:rPr kumimoji="1" lang="ja-JP" altLang="en-US" sz="1000" dirty="0">
+              <a:rPr kumimoji="1" lang="ja-JP" altLang="en-US" sz="800" dirty="0">
                 <a:effectLst>
                   <a:glow rad="101600">
                     <a:schemeClr val="bg1">
@@ -8435,7 +8437,7 @@
               <a:t>（</a:t>
             </a:r>
             <a:r>
-              <a:rPr kumimoji="1" lang="en-US" altLang="ja-JP" sz="1000" dirty="0">
+              <a:rPr kumimoji="1" lang="en-US" altLang="ja-JP" sz="800" dirty="0">
                 <a:effectLst>
                   <a:glow rad="101600">
                     <a:schemeClr val="bg1">
@@ -8447,7 +8449,7 @@
               <a:t>UAT</a:t>
             </a:r>
             <a:r>
-              <a:rPr kumimoji="1" lang="ja-JP" altLang="en-US" sz="1000" dirty="0">
+              <a:rPr kumimoji="1" lang="ja-JP" altLang="en-US" sz="800" dirty="0">
                 <a:effectLst>
                   <a:glow rad="101600">
                     <a:schemeClr val="bg1">
@@ -8475,8 +8477,8 @@
         </p:nvSpPr>
         <p:spPr>
           <a:xfrm>
-            <a:off x="451174" y="2949580"/>
-            <a:ext cx="2333471" cy="562630"/>
+            <a:off x="451174" y="3290050"/>
+            <a:ext cx="1918712" cy="476071"/>
           </a:xfrm>
           <a:prstGeom prst="ellipse">
             <a:avLst/>
@@ -8494,14 +8496,14 @@
           <a:lstStyle/>
           <a:p>
             <a:r>
-              <a:rPr kumimoji="1" lang="ja-JP" altLang="en-US" sz="1000" dirty="0">
+              <a:rPr kumimoji="1" lang="ja-JP" altLang="en-US" sz="800" dirty="0">
                 <a:solidFill>
                   <a:srgbClr val="0000CC"/>
                 </a:solidFill>
               </a:rPr>
               <a:t>・企画内容の抜粋</a:t>
             </a:r>
-            <a:endParaRPr kumimoji="1" lang="en-US" altLang="ja-JP" sz="1000" dirty="0">
+            <a:endParaRPr kumimoji="1" lang="en-US" altLang="ja-JP" sz="800" dirty="0">
               <a:solidFill>
                 <a:srgbClr val="0000CC"/>
               </a:solidFill>
@@ -8509,7 +8511,7 @@
           </a:p>
           <a:p>
             <a:r>
-              <a:rPr kumimoji="1" lang="ja-JP" altLang="en-US" sz="1000" dirty="0">
+              <a:rPr kumimoji="1" lang="ja-JP" altLang="en-US" sz="800" dirty="0">
                 <a:solidFill>
                   <a:srgbClr val="0000CC"/>
                 </a:solidFill>
@@ -8533,8 +8535,8 @@
         </p:nvSpPr>
         <p:spPr>
           <a:xfrm>
-            <a:off x="1343472" y="3296558"/>
-            <a:ext cx="3077333" cy="1861006"/>
+            <a:off x="1343472" y="3532095"/>
+            <a:ext cx="2516056" cy="1514773"/>
           </a:xfrm>
           <a:prstGeom prst="ellipse">
             <a:avLst/>
@@ -8552,14 +8554,14 @@
           <a:lstStyle/>
           <a:p>
             <a:r>
-              <a:rPr kumimoji="1" lang="ja-JP" altLang="en-US" sz="1000" dirty="0">
+              <a:rPr kumimoji="1" lang="ja-JP" altLang="en-US" sz="800" dirty="0">
                 <a:solidFill>
                   <a:srgbClr val="0000CC"/>
                 </a:solidFill>
               </a:rPr>
               <a:t>・全体像（ユースケース、サブシステム）</a:t>
             </a:r>
-            <a:endParaRPr kumimoji="1" lang="en-US" altLang="ja-JP" sz="1000" dirty="0">
+            <a:endParaRPr kumimoji="1" lang="en-US" altLang="ja-JP" sz="800" dirty="0">
               <a:solidFill>
                 <a:srgbClr val="0000CC"/>
               </a:solidFill>
@@ -8567,14 +8569,14 @@
           </a:p>
           <a:p>
             <a:r>
-              <a:rPr kumimoji="1" lang="ja-JP" altLang="en-US" sz="1000" dirty="0">
+              <a:rPr kumimoji="1" lang="ja-JP" altLang="en-US" sz="800" dirty="0">
                 <a:solidFill>
                   <a:srgbClr val="0000CC"/>
                 </a:solidFill>
               </a:rPr>
               <a:t>・アーキテクチャ（利用する実装技術）</a:t>
             </a:r>
-            <a:endParaRPr kumimoji="1" lang="en-US" altLang="ja-JP" sz="1000" dirty="0">
+            <a:endParaRPr kumimoji="1" lang="en-US" altLang="ja-JP" sz="800" dirty="0">
               <a:solidFill>
                 <a:srgbClr val="0000CC"/>
               </a:solidFill>
@@ -8582,14 +8584,14 @@
           </a:p>
           <a:p>
             <a:r>
-              <a:rPr kumimoji="1" lang="ja-JP" altLang="en-US" sz="1000" dirty="0">
+              <a:rPr kumimoji="1" lang="ja-JP" altLang="en-US" sz="800" dirty="0">
                 <a:solidFill>
                   <a:srgbClr val="0000CC"/>
                 </a:solidFill>
               </a:rPr>
               <a:t>・要求一覧（機能要件一覧）</a:t>
             </a:r>
-            <a:endParaRPr kumimoji="1" lang="en-US" altLang="ja-JP" sz="1000" dirty="0">
+            <a:endParaRPr kumimoji="1" lang="en-US" altLang="ja-JP" sz="800" dirty="0">
               <a:solidFill>
                 <a:srgbClr val="0000CC"/>
               </a:solidFill>
@@ -8597,14 +8599,14 @@
           </a:p>
           <a:p>
             <a:r>
-              <a:rPr kumimoji="1" lang="ja-JP" altLang="en-US" sz="1000" dirty="0">
+              <a:rPr kumimoji="1" lang="ja-JP" altLang="en-US" sz="800" dirty="0">
                 <a:solidFill>
                   <a:srgbClr val="0000CC"/>
                 </a:solidFill>
               </a:rPr>
               <a:t>・行動シナリオ一覧</a:t>
             </a:r>
-            <a:endParaRPr kumimoji="1" lang="en-US" altLang="ja-JP" sz="1000" dirty="0">
+            <a:endParaRPr kumimoji="1" lang="en-US" altLang="ja-JP" sz="800" dirty="0">
               <a:solidFill>
                 <a:srgbClr val="0000CC"/>
               </a:solidFill>
@@ -8612,14 +8614,14 @@
           </a:p>
           <a:p>
             <a:r>
-              <a:rPr kumimoji="1" lang="ja-JP" altLang="en-US" sz="1000" dirty="0">
+              <a:rPr kumimoji="1" lang="ja-JP" altLang="en-US" sz="800" dirty="0">
                 <a:solidFill>
                   <a:srgbClr val="0000CC"/>
                 </a:solidFill>
               </a:rPr>
               <a:t>・行動シナリオ（新業務フロー）</a:t>
             </a:r>
-            <a:endParaRPr kumimoji="1" lang="en-US" altLang="ja-JP" sz="1000" dirty="0">
+            <a:endParaRPr kumimoji="1" lang="en-US" altLang="ja-JP" sz="800" dirty="0">
               <a:solidFill>
                 <a:srgbClr val="0000CC"/>
               </a:solidFill>
@@ -8627,14 +8629,14 @@
           </a:p>
           <a:p>
             <a:r>
-              <a:rPr kumimoji="1" lang="ja-JP" altLang="en-US" sz="1000" dirty="0">
+              <a:rPr kumimoji="1" lang="ja-JP" altLang="en-US" sz="800" dirty="0">
                 <a:solidFill>
                   <a:srgbClr val="0000CC"/>
                 </a:solidFill>
               </a:rPr>
               <a:t>・ワークセット一覧</a:t>
             </a:r>
-            <a:endParaRPr kumimoji="1" lang="en-US" altLang="ja-JP" sz="1000" dirty="0">
+            <a:endParaRPr kumimoji="1" lang="en-US" altLang="ja-JP" sz="800" dirty="0">
               <a:solidFill>
                 <a:srgbClr val="0000CC"/>
               </a:solidFill>
@@ -8642,18 +8644,18 @@
           </a:p>
           <a:p>
             <a:r>
-              <a:rPr kumimoji="1" lang="ja-JP" altLang="en-US" sz="1000" dirty="0"/>
+              <a:rPr kumimoji="1" lang="ja-JP" altLang="en-US" sz="800" dirty="0"/>
               <a:t>・☆業務フロー </a:t>
             </a:r>
             <a:r>
-              <a:rPr kumimoji="1" lang="en-US" altLang="ja-JP" sz="1000" dirty="0"/>
+              <a:rPr kumimoji="1" lang="en-US" altLang="ja-JP" sz="800" dirty="0"/>
               <a:t>As-Is/To-Be</a:t>
             </a:r>
           </a:p>
           <a:p>
             <a:r>
-              <a:rPr kumimoji="1" lang="ja-JP" altLang="en-US" sz="1000" dirty="0"/>
-              <a:t>・課題管理表</a:t>
+              <a:rPr kumimoji="1" lang="ja-JP" altLang="en-US" sz="800" dirty="0"/>
+              <a:t>・課題管理表（技術検証含む）</a:t>
             </a:r>
           </a:p>
         </p:txBody>
@@ -8672,8 +8674,8 @@
         </p:nvSpPr>
         <p:spPr>
           <a:xfrm>
-            <a:off x="2783632" y="2949580"/>
-            <a:ext cx="3075079" cy="779026"/>
+            <a:off x="2999656" y="2749222"/>
+            <a:ext cx="2511548" cy="1687890"/>
           </a:xfrm>
           <a:prstGeom prst="ellipse">
             <a:avLst/>
@@ -8691,7 +8693,7 @@
           <a:lstStyle/>
           <a:p>
             <a:r>
-              <a:rPr kumimoji="1" lang="ja-JP" altLang="en-US" sz="1000" dirty="0">
+              <a:rPr kumimoji="1" lang="ja-JP" altLang="en-US" sz="800" dirty="0">
                 <a:solidFill>
                   <a:srgbClr val="0000CC"/>
                 </a:solidFill>
@@ -8699,7 +8701,7 @@
               <a:t>・☆概念データモデル（</a:t>
             </a:r>
             <a:r>
-              <a:rPr kumimoji="1" lang="en-US" altLang="ja-JP" sz="1000" dirty="0">
+              <a:rPr kumimoji="1" lang="en-US" altLang="ja-JP" sz="800" dirty="0">
                 <a:solidFill>
                   <a:srgbClr val="0000CC"/>
                 </a:solidFill>
@@ -8707,14 +8709,14 @@
               <a:t>DB</a:t>
             </a:r>
             <a:r>
-              <a:rPr kumimoji="1" lang="ja-JP" altLang="en-US" sz="1000" dirty="0">
+              <a:rPr kumimoji="1" lang="ja-JP" altLang="en-US" sz="800" dirty="0">
                 <a:solidFill>
                   <a:srgbClr val="0000CC"/>
                 </a:solidFill>
               </a:rPr>
               <a:t>概念設計）</a:t>
             </a:r>
-            <a:endParaRPr kumimoji="1" lang="en-US" altLang="ja-JP" sz="1000" dirty="0">
+            <a:endParaRPr kumimoji="1" lang="en-US" altLang="ja-JP" sz="800" dirty="0">
               <a:solidFill>
                 <a:srgbClr val="0000CC"/>
               </a:solidFill>
@@ -8722,7 +8724,7 @@
           </a:p>
           <a:p>
             <a:r>
-              <a:rPr kumimoji="1" lang="ja-JP" altLang="en-US" sz="1000" dirty="0">
+              <a:rPr kumimoji="1" lang="ja-JP" altLang="en-US" sz="800" dirty="0">
                 <a:solidFill>
                   <a:srgbClr val="0000CC"/>
                 </a:solidFill>
@@ -8730,7 +8732,7 @@
               <a:t>・ラフイメージ </a:t>
             </a:r>
             <a:r>
-              <a:rPr kumimoji="1" lang="en-US" altLang="ja-JP" sz="1000" dirty="0">
+              <a:rPr kumimoji="1" lang="en-US" altLang="ja-JP" sz="800" dirty="0">
                 <a:solidFill>
                   <a:srgbClr val="0000CC"/>
                 </a:solidFill>
@@ -8738,19 +8740,61 @@
               <a:t>or </a:t>
             </a:r>
             <a:r>
-              <a:rPr kumimoji="1" lang="ja-JP" altLang="en-US" sz="1000" dirty="0">
+              <a:rPr kumimoji="1" lang="ja-JP" altLang="en-US" sz="800" dirty="0">
                 <a:solidFill>
                   <a:srgbClr val="0000CC"/>
                 </a:solidFill>
               </a:rPr>
               <a:t>モックアップ</a:t>
             </a:r>
-            <a:endParaRPr kumimoji="1" lang="en-US" altLang="ja-JP" sz="1000" dirty="0"/>
-          </a:p>
-          <a:p>
-            <a:r>
-              <a:rPr kumimoji="1" lang="ja-JP" altLang="en-US" sz="1000" dirty="0"/>
+            <a:endParaRPr kumimoji="1" lang="en-US" altLang="ja-JP" sz="800" dirty="0"/>
+          </a:p>
+          <a:p>
+            <a:r>
+              <a:rPr kumimoji="1" lang="ja-JP" altLang="en-US" sz="800" dirty="0"/>
               <a:t>・非機能要件一覧</a:t>
+            </a:r>
+            <a:endParaRPr kumimoji="1" lang="en-US" altLang="ja-JP" sz="800" dirty="0"/>
+          </a:p>
+          <a:p>
+            <a:r>
+              <a:rPr kumimoji="1" lang="ja-JP" altLang="en-US" sz="800" dirty="0"/>
+              <a:t>・☆ハードウェア構成図</a:t>
+            </a:r>
+            <a:endParaRPr kumimoji="1" lang="en-US" altLang="ja-JP" sz="800" dirty="0"/>
+          </a:p>
+          <a:p>
+            <a:r>
+              <a:rPr kumimoji="1" lang="ja-JP" altLang="en-US" sz="800" dirty="0"/>
+              <a:t>・☆ソフトウェア構成図</a:t>
+            </a:r>
+            <a:endParaRPr kumimoji="1" lang="en-US" altLang="ja-JP" sz="800" dirty="0"/>
+          </a:p>
+          <a:p>
+            <a:r>
+              <a:rPr kumimoji="1" lang="ja-JP" altLang="en-US" sz="800" dirty="0"/>
+              <a:t>・☆ネットワーク構成図</a:t>
+            </a:r>
+            <a:endParaRPr kumimoji="1" lang="en-US" altLang="ja-JP" sz="800" dirty="0"/>
+          </a:p>
+          <a:p>
+            <a:r>
+              <a:rPr kumimoji="1" lang="ja-JP" altLang="en-US" sz="800" dirty="0"/>
+              <a:t>・☆帳票一覧</a:t>
+            </a:r>
+            <a:endParaRPr kumimoji="1" lang="en-US" altLang="ja-JP" sz="800" dirty="0"/>
+          </a:p>
+          <a:p>
+            <a:r>
+              <a:rPr kumimoji="1" lang="ja-JP" altLang="en-US" sz="800" dirty="0"/>
+              <a:t>・☆バッチ処理一覧</a:t>
+            </a:r>
+            <a:endParaRPr kumimoji="1" lang="en-US" altLang="ja-JP" sz="800" dirty="0"/>
+          </a:p>
+          <a:p>
+            <a:r>
+              <a:rPr kumimoji="1" lang="ja-JP" altLang="en-US" sz="800" dirty="0"/>
+              <a:t>・☆外部インターフェース一覧</a:t>
             </a:r>
           </a:p>
         </p:txBody>
@@ -8769,8 +8813,8 @@
         </p:nvSpPr>
         <p:spPr>
           <a:xfrm>
-            <a:off x="4063837" y="3308876"/>
-            <a:ext cx="2464211" cy="1861006"/>
+            <a:off x="4348105" y="3368804"/>
+            <a:ext cx="2035927" cy="1861006"/>
           </a:xfrm>
           <a:prstGeom prst="ellipse">
             <a:avLst/>
@@ -8788,14 +8832,14 @@
           <a:lstStyle/>
           <a:p>
             <a:r>
-              <a:rPr kumimoji="1" lang="ja-JP" altLang="en-US" sz="1000" dirty="0"/>
+              <a:rPr kumimoji="1" lang="ja-JP" altLang="en-US" sz="800" dirty="0"/>
               <a:t>・画面一覧</a:t>
             </a:r>
-            <a:endParaRPr kumimoji="1" lang="en-US" altLang="ja-JP" sz="1000" dirty="0"/>
-          </a:p>
-          <a:p>
-            <a:r>
-              <a:rPr kumimoji="1" lang="ja-JP" altLang="en-US" sz="1000" dirty="0">
+            <a:endParaRPr kumimoji="1" lang="en-US" altLang="ja-JP" sz="800" dirty="0"/>
+          </a:p>
+          <a:p>
+            <a:r>
+              <a:rPr kumimoji="1" lang="ja-JP" altLang="en-US" sz="800" dirty="0">
                 <a:solidFill>
                   <a:srgbClr val="0000CC"/>
                 </a:solidFill>
@@ -8803,7 +8847,7 @@
               <a:t>・画面遷移図（</a:t>
             </a:r>
             <a:r>
-              <a:rPr kumimoji="1" lang="en-US" altLang="ja-JP" sz="1000" dirty="0">
+              <a:rPr kumimoji="1" lang="en-US" altLang="ja-JP" sz="800" dirty="0">
                 <a:solidFill>
                   <a:srgbClr val="0000CC"/>
                 </a:solidFill>
@@ -8811,14 +8855,14 @@
               <a:t>IFDAM</a:t>
             </a:r>
             <a:r>
-              <a:rPr kumimoji="1" lang="ja-JP" altLang="en-US" sz="1000" dirty="0">
+              <a:rPr kumimoji="1" lang="ja-JP" altLang="en-US" sz="800" dirty="0">
                 <a:solidFill>
                   <a:srgbClr val="0000CC"/>
                 </a:solidFill>
               </a:rPr>
               <a:t>図）</a:t>
             </a:r>
-            <a:endParaRPr kumimoji="1" lang="en-US" altLang="ja-JP" sz="1000" dirty="0">
+            <a:endParaRPr kumimoji="1" lang="en-US" altLang="ja-JP" sz="800" dirty="0">
               <a:solidFill>
                 <a:srgbClr val="0000CC"/>
               </a:solidFill>
@@ -8826,14 +8870,14 @@
           </a:p>
           <a:p>
             <a:r>
-              <a:rPr kumimoji="1" lang="ja-JP" altLang="en-US" sz="1000" dirty="0">
+              <a:rPr kumimoji="1" lang="ja-JP" altLang="en-US" sz="800" dirty="0">
                 <a:solidFill>
                   <a:srgbClr val="0000CC"/>
                 </a:solidFill>
               </a:rPr>
               <a:t>・項目の説明</a:t>
             </a:r>
-            <a:endParaRPr kumimoji="1" lang="en-US" altLang="ja-JP" sz="1000" dirty="0">
+            <a:endParaRPr kumimoji="1" lang="en-US" altLang="ja-JP" sz="800" dirty="0">
               <a:solidFill>
                 <a:srgbClr val="0000CC"/>
               </a:solidFill>
@@ -8841,14 +8885,14 @@
           </a:p>
           <a:p>
             <a:r>
-              <a:rPr kumimoji="1" lang="ja-JP" altLang="en-US" sz="1000" dirty="0">
+              <a:rPr kumimoji="1" lang="ja-JP" altLang="en-US" sz="800" dirty="0">
                 <a:solidFill>
                   <a:srgbClr val="0000CC"/>
                 </a:solidFill>
               </a:rPr>
               <a:t>・機能の入出力定義</a:t>
             </a:r>
-            <a:endParaRPr kumimoji="1" lang="en-US" altLang="ja-JP" sz="1000" dirty="0">
+            <a:endParaRPr kumimoji="1" lang="en-US" altLang="ja-JP" sz="800" dirty="0">
               <a:solidFill>
                 <a:srgbClr val="0000CC"/>
               </a:solidFill>
@@ -8856,14 +8900,14 @@
           </a:p>
           <a:p>
             <a:r>
-              <a:rPr kumimoji="1" lang="ja-JP" altLang="en-US" sz="1000" dirty="0">
+              <a:rPr kumimoji="1" lang="ja-JP" altLang="en-US" sz="800" dirty="0">
                 <a:solidFill>
                   <a:srgbClr val="0000CC"/>
                 </a:solidFill>
               </a:rPr>
               <a:t>・機能の処理定義</a:t>
             </a:r>
-            <a:endParaRPr kumimoji="1" lang="en-US" altLang="ja-JP" sz="1000" dirty="0">
+            <a:endParaRPr kumimoji="1" lang="en-US" altLang="ja-JP" sz="800" dirty="0">
               <a:solidFill>
                 <a:srgbClr val="0000CC"/>
               </a:solidFill>
@@ -8871,7 +8915,7 @@
           </a:p>
           <a:p>
             <a:r>
-              <a:rPr kumimoji="1" lang="ja-JP" altLang="en-US" sz="1000" dirty="0">
+              <a:rPr kumimoji="1" lang="ja-JP" altLang="en-US" sz="800" dirty="0">
                 <a:solidFill>
                   <a:srgbClr val="0000CC"/>
                 </a:solidFill>
@@ -8879,7 +8923,7 @@
               <a:t>・統合</a:t>
             </a:r>
             <a:r>
-              <a:rPr kumimoji="1" lang="en-US" altLang="ja-JP" sz="1000" dirty="0">
+              <a:rPr kumimoji="1" lang="en-US" altLang="ja-JP" sz="800" dirty="0">
                 <a:solidFill>
                   <a:srgbClr val="0000CC"/>
                 </a:solidFill>
@@ -8887,7 +8931,7 @@
               <a:t>ER</a:t>
             </a:r>
             <a:r>
-              <a:rPr kumimoji="1" lang="ja-JP" altLang="en-US" sz="1000" dirty="0">
+              <a:rPr kumimoji="1" lang="ja-JP" altLang="en-US" sz="800" dirty="0">
                 <a:solidFill>
                   <a:srgbClr val="0000CC"/>
                 </a:solidFill>
@@ -8895,7 +8939,7 @@
               <a:t>図（</a:t>
             </a:r>
             <a:r>
-              <a:rPr kumimoji="1" lang="en-US" altLang="ja-JP" sz="1000" dirty="0">
+              <a:rPr kumimoji="1" lang="en-US" altLang="ja-JP" sz="800" dirty="0">
                 <a:solidFill>
                   <a:srgbClr val="0000CC"/>
                 </a:solidFill>
@@ -8903,14 +8947,14 @@
               <a:t>DB</a:t>
             </a:r>
             <a:r>
-              <a:rPr kumimoji="1" lang="ja-JP" altLang="en-US" sz="1000" dirty="0">
+              <a:rPr kumimoji="1" lang="ja-JP" altLang="en-US" sz="800" dirty="0">
                 <a:solidFill>
                   <a:srgbClr val="0000CC"/>
                 </a:solidFill>
               </a:rPr>
               <a:t>論理設計）</a:t>
             </a:r>
-            <a:endParaRPr kumimoji="1" lang="en-US" altLang="ja-JP" sz="1000" dirty="0">
+            <a:endParaRPr kumimoji="1" lang="en-US" altLang="ja-JP" sz="800" dirty="0">
               <a:solidFill>
                 <a:srgbClr val="0000CC"/>
               </a:solidFill>
@@ -8918,7 +8962,7 @@
           </a:p>
           <a:p>
             <a:r>
-              <a:rPr kumimoji="1" lang="ja-JP" altLang="en-US" sz="1000" dirty="0">
+              <a:rPr kumimoji="1" lang="ja-JP" altLang="en-US" sz="800" dirty="0">
                 <a:solidFill>
                   <a:srgbClr val="0000CC"/>
                 </a:solidFill>
@@ -8926,7 +8970,7 @@
               <a:t>・☆</a:t>
             </a:r>
             <a:r>
-              <a:rPr kumimoji="1" lang="en-US" altLang="ja-JP" sz="1000" dirty="0">
+              <a:rPr kumimoji="1" lang="en-US" altLang="ja-JP" sz="800" dirty="0">
                 <a:solidFill>
                   <a:srgbClr val="0000CC"/>
                 </a:solidFill>
@@ -8934,14 +8978,14 @@
               <a:t>CRUD</a:t>
             </a:r>
             <a:r>
-              <a:rPr kumimoji="1" lang="ja-JP" altLang="en-US" sz="1000" dirty="0">
+              <a:rPr kumimoji="1" lang="ja-JP" altLang="en-US" sz="800" dirty="0">
                 <a:solidFill>
                   <a:srgbClr val="0000CC"/>
                 </a:solidFill>
               </a:rPr>
               <a:t>マトリックス表</a:t>
             </a:r>
-            <a:endParaRPr kumimoji="1" lang="en-US" altLang="ja-JP" sz="1000" dirty="0">
+            <a:endParaRPr kumimoji="1" lang="en-US" altLang="ja-JP" sz="800" dirty="0">
               <a:solidFill>
                 <a:srgbClr val="0000CC"/>
               </a:solidFill>
@@ -8949,19 +8993,33 @@
           </a:p>
           <a:p>
             <a:r>
-              <a:rPr kumimoji="1" lang="ja-JP" altLang="en-US" sz="1000" dirty="0">
+              <a:rPr kumimoji="1" lang="ja-JP" altLang="en-US" sz="800" dirty="0">
                 <a:solidFill>
                   <a:srgbClr val="0000CC"/>
                 </a:solidFill>
               </a:rPr>
               <a:t>・☆パーミッション表</a:t>
             </a:r>
-            <a:endParaRPr kumimoji="1" lang="en-US" altLang="ja-JP" sz="1000" dirty="0">
+            <a:endParaRPr kumimoji="1" lang="en-US" altLang="ja-JP" sz="800" dirty="0">
               <a:solidFill>
                 <a:srgbClr val="0000CC"/>
               </a:solidFill>
             </a:endParaRPr>
           </a:p>
+          <a:p>
+            <a:r>
+              <a:rPr kumimoji="1" lang="ja-JP" altLang="en-US" sz="800" dirty="0"/>
+              <a:t>・☆帳票レイアウト</a:t>
+            </a:r>
+            <a:endParaRPr kumimoji="1" lang="en-US" altLang="ja-JP" sz="800" dirty="0"/>
+          </a:p>
+          <a:p>
+            <a:r>
+              <a:rPr kumimoji="1" lang="ja-JP" altLang="en-US" sz="800" dirty="0"/>
+              <a:t>・☆外部インターフェース定義書</a:t>
+            </a:r>
+            <a:endParaRPr kumimoji="1" lang="en-US" altLang="ja-JP" sz="800" dirty="0"/>
+          </a:p>
         </p:txBody>
       </p:sp>
       <p:sp>
@@ -8978,8 +9036,8 @@
         </p:nvSpPr>
         <p:spPr>
           <a:xfrm>
-            <a:off x="5822325" y="2948464"/>
-            <a:ext cx="2615238" cy="1428214"/>
+            <a:off x="5663952" y="3183597"/>
+            <a:ext cx="2144125" cy="1168539"/>
           </a:xfrm>
           <a:prstGeom prst="ellipse">
             <a:avLst/>
@@ -8997,57 +9055,57 @@
           <a:lstStyle/>
           <a:p>
             <a:r>
-              <a:rPr kumimoji="1" lang="ja-JP" altLang="en-US" sz="1000" dirty="0"/>
+              <a:rPr kumimoji="1" lang="ja-JP" altLang="en-US" sz="800" dirty="0"/>
               <a:t>・テーブル定義（</a:t>
             </a:r>
             <a:r>
-              <a:rPr kumimoji="1" lang="en-US" altLang="ja-JP" sz="1000" dirty="0"/>
+              <a:rPr kumimoji="1" lang="en-US" altLang="ja-JP" sz="800" dirty="0"/>
               <a:t>DB</a:t>
             </a:r>
             <a:r>
-              <a:rPr kumimoji="1" lang="ja-JP" altLang="en-US" sz="1000" dirty="0"/>
+              <a:rPr kumimoji="1" lang="ja-JP" altLang="en-US" sz="800" dirty="0"/>
               <a:t>物理設計）</a:t>
             </a:r>
-            <a:endParaRPr kumimoji="1" lang="en-US" altLang="ja-JP" sz="1000" dirty="0"/>
-          </a:p>
-          <a:p>
-            <a:r>
-              <a:rPr kumimoji="1" lang="ja-JP" altLang="en-US" sz="1000" dirty="0"/>
+            <a:endParaRPr kumimoji="1" lang="en-US" altLang="ja-JP" sz="800" dirty="0"/>
+          </a:p>
+          <a:p>
+            <a:r>
+              <a:rPr kumimoji="1" lang="ja-JP" altLang="en-US" sz="800" dirty="0"/>
               <a:t>・コーディング規約</a:t>
             </a:r>
-            <a:endParaRPr kumimoji="1" lang="en-US" altLang="ja-JP" sz="1000" dirty="0"/>
-          </a:p>
-          <a:p>
-            <a:r>
-              <a:rPr kumimoji="1" lang="ja-JP" altLang="en-US" sz="1000" dirty="0"/>
+            <a:endParaRPr kumimoji="1" lang="en-US" altLang="ja-JP" sz="800" dirty="0"/>
+          </a:p>
+          <a:p>
+            <a:r>
+              <a:rPr kumimoji="1" lang="ja-JP" altLang="en-US" sz="800" dirty="0"/>
               <a:t>・☆クラス図</a:t>
             </a:r>
-            <a:endParaRPr kumimoji="1" lang="en-US" altLang="ja-JP" sz="1000" dirty="0"/>
-          </a:p>
-          <a:p>
-            <a:r>
-              <a:rPr kumimoji="1" lang="ja-JP" altLang="en-US" sz="1000" dirty="0"/>
+            <a:endParaRPr kumimoji="1" lang="en-US" altLang="ja-JP" sz="800" dirty="0"/>
+          </a:p>
+          <a:p>
+            <a:r>
+              <a:rPr kumimoji="1" lang="ja-JP" altLang="en-US" sz="800" dirty="0"/>
               <a:t>・☆コミュニケーション図</a:t>
             </a:r>
-            <a:endParaRPr kumimoji="1" lang="en-US" altLang="ja-JP" sz="1000" dirty="0"/>
-          </a:p>
-          <a:p>
-            <a:r>
-              <a:rPr kumimoji="1" lang="ja-JP" altLang="en-US" sz="1000" dirty="0"/>
+            <a:endParaRPr kumimoji="1" lang="en-US" altLang="ja-JP" sz="800" dirty="0"/>
+          </a:p>
+          <a:p>
+            <a:r>
+              <a:rPr kumimoji="1" lang="ja-JP" altLang="en-US" sz="800" dirty="0"/>
               <a:t>・☆シーケンス図</a:t>
             </a:r>
-            <a:endParaRPr kumimoji="1" lang="en-US" altLang="ja-JP" sz="1000" dirty="0"/>
-          </a:p>
-          <a:p>
-            <a:r>
-              <a:rPr kumimoji="1" lang="ja-JP" altLang="en-US" sz="1000" dirty="0"/>
+            <a:endParaRPr kumimoji="1" lang="en-US" altLang="ja-JP" sz="800" dirty="0"/>
+          </a:p>
+          <a:p>
+            <a:r>
+              <a:rPr kumimoji="1" lang="ja-JP" altLang="en-US" sz="800" dirty="0"/>
               <a:t>　</a:t>
             </a:r>
             <a:r>
-              <a:rPr kumimoji="1" lang="en-US" altLang="ja-JP" sz="1000" dirty="0"/>
+              <a:rPr kumimoji="1" lang="en-US" altLang="ja-JP" sz="800" dirty="0"/>
               <a:t>etc</a:t>
             </a:r>
-            <a:endParaRPr kumimoji="1" lang="ja-JP" altLang="en-US" sz="1000" dirty="0"/>
+            <a:endParaRPr kumimoji="1" lang="ja-JP" altLang="en-US" sz="800" dirty="0"/>
           </a:p>
         </p:txBody>
       </p:sp>
@@ -9113,8 +9171,8 @@
         </p:nvSpPr>
         <p:spPr>
           <a:xfrm>
-            <a:off x="7437461" y="2949580"/>
-            <a:ext cx="3483075" cy="1428214"/>
+            <a:off x="7536160" y="3184713"/>
+            <a:ext cx="2838395" cy="1168539"/>
           </a:xfrm>
           <a:prstGeom prst="ellipse">
             <a:avLst/>
@@ -9132,42 +9190,42 @@
           <a:lstStyle/>
           <a:p>
             <a:r>
-              <a:rPr kumimoji="1" lang="ja-JP" altLang="en-US" sz="1000" dirty="0"/>
+              <a:rPr kumimoji="1" lang="ja-JP" altLang="en-US" sz="800" dirty="0"/>
               <a:t>・☆テスト仕様書（単体テスト、結合テスト）</a:t>
             </a:r>
-            <a:endParaRPr kumimoji="1" lang="en-US" altLang="ja-JP" sz="1000" dirty="0"/>
-          </a:p>
-          <a:p>
-            <a:r>
-              <a:rPr kumimoji="1" lang="ja-JP" altLang="en-US" sz="1000" dirty="0"/>
+            <a:endParaRPr kumimoji="1" lang="en-US" altLang="ja-JP" sz="800" dirty="0"/>
+          </a:p>
+          <a:p>
+            <a:r>
+              <a:rPr kumimoji="1" lang="ja-JP" altLang="en-US" sz="800" dirty="0"/>
               <a:t>・テスト仕様書（システムテスト）</a:t>
             </a:r>
-            <a:endParaRPr kumimoji="1" lang="en-US" altLang="ja-JP" sz="1000" dirty="0"/>
-          </a:p>
-          <a:p>
-            <a:r>
-              <a:rPr kumimoji="1" lang="ja-JP" altLang="en-US" sz="1000" dirty="0"/>
-              <a:t>・テスト仕様書（ユーザーテスト）</a:t>
-            </a:r>
-            <a:endParaRPr kumimoji="1" lang="en-US" altLang="ja-JP" sz="1000" dirty="0"/>
-          </a:p>
-          <a:p>
-            <a:r>
-              <a:rPr kumimoji="1" lang="ja-JP" altLang="en-US" sz="1000" dirty="0"/>
+            <a:endParaRPr kumimoji="1" lang="en-US" altLang="ja-JP" sz="800" dirty="0"/>
+          </a:p>
+          <a:p>
+            <a:r>
+              <a:rPr kumimoji="1" lang="ja-JP" altLang="en-US" sz="800" dirty="0"/>
+              <a:t>・☆テスト仕様書（ユーザーテスト）</a:t>
+            </a:r>
+            <a:endParaRPr kumimoji="1" lang="en-US" altLang="ja-JP" sz="800" dirty="0"/>
+          </a:p>
+          <a:p>
+            <a:r>
+              <a:rPr kumimoji="1" lang="ja-JP" altLang="en-US" sz="800" dirty="0"/>
               <a:t>・操作手順書</a:t>
             </a:r>
-            <a:endParaRPr kumimoji="1" lang="en-US" altLang="ja-JP" sz="1000" dirty="0"/>
-          </a:p>
-          <a:p>
-            <a:r>
-              <a:rPr kumimoji="1" lang="ja-JP" altLang="en-US" sz="1000" dirty="0"/>
+            <a:endParaRPr kumimoji="1" lang="en-US" altLang="ja-JP" sz="800" dirty="0"/>
+          </a:p>
+          <a:p>
+            <a:r>
+              <a:rPr kumimoji="1" lang="ja-JP" altLang="en-US" sz="800" dirty="0"/>
               <a:t>・☆インフラ構成</a:t>
             </a:r>
-            <a:endParaRPr kumimoji="1" lang="en-US" altLang="ja-JP" sz="1000" dirty="0"/>
-          </a:p>
-          <a:p>
-            <a:r>
-              <a:rPr kumimoji="1" lang="ja-JP" altLang="en-US" sz="1000" dirty="0"/>
+            <a:endParaRPr kumimoji="1" lang="en-US" altLang="ja-JP" sz="800" dirty="0"/>
+          </a:p>
+          <a:p>
+            <a:r>
+              <a:rPr kumimoji="1" lang="ja-JP" altLang="en-US" sz="800" dirty="0"/>
               <a:t>・残件管理表</a:t>
             </a:r>
           </a:p>
@@ -9234,8 +9292,8 @@
         </p:nvSpPr>
         <p:spPr>
           <a:xfrm>
-            <a:off x="7905040" y="1882326"/>
-            <a:ext cx="788999" cy="246221"/>
+            <a:off x="7883704" y="1882326"/>
+            <a:ext cx="668773" cy="215444"/>
           </a:xfrm>
           <a:prstGeom prst="rect">
             <a:avLst/>
@@ -9250,7 +9308,7 @@
           <a:p>
             <a:pPr algn="ctr"/>
             <a:r>
-              <a:rPr kumimoji="1" lang="ja-JP" altLang="en-US" sz="1000" dirty="0">
+              <a:rPr kumimoji="1" lang="ja-JP" altLang="en-US" sz="800" dirty="0">
                 <a:effectLst>
                   <a:glow rad="101600">
                     <a:schemeClr val="bg1">
@@ -9278,8 +9336,8 @@
         </p:nvSpPr>
         <p:spPr>
           <a:xfrm>
-            <a:off x="8627782" y="1882326"/>
-            <a:ext cx="1045478" cy="246221"/>
+            <a:off x="8632094" y="1882326"/>
+            <a:ext cx="873957" cy="215444"/>
           </a:xfrm>
           <a:prstGeom prst="rect">
             <a:avLst/>
@@ -9294,7 +9352,7 @@
           <a:p>
             <a:pPr algn="ctr"/>
             <a:r>
-              <a:rPr kumimoji="1" lang="ja-JP" altLang="en-US" sz="1000" dirty="0">
+              <a:rPr kumimoji="1" lang="ja-JP" altLang="en-US" sz="800" dirty="0">
                 <a:effectLst>
                   <a:glow rad="101600">
                     <a:schemeClr val="bg1">
@@ -9432,8 +9490,8 @@
         </p:nvSpPr>
         <p:spPr>
           <a:xfrm>
-            <a:off x="9635789" y="1882326"/>
-            <a:ext cx="1298752" cy="246221"/>
+            <a:off x="9471667" y="1882326"/>
+            <a:ext cx="1075936" cy="215444"/>
           </a:xfrm>
           <a:prstGeom prst="rect">
             <a:avLst/>
@@ -9448,7 +9506,7 @@
           <a:p>
             <a:pPr algn="ctr"/>
             <a:r>
-              <a:rPr kumimoji="1" lang="ja-JP" altLang="en-US" sz="1000" dirty="0">
+              <a:rPr kumimoji="1" lang="ja-JP" altLang="en-US" sz="800" dirty="0">
                 <a:effectLst>
                   <a:glow rad="101600">
                     <a:schemeClr val="bg1">
@@ -9460,7 +9518,7 @@
               <a:t>本番 </a:t>
             </a:r>
             <a:r>
-              <a:rPr kumimoji="1" lang="en-US" altLang="ja-JP" sz="1000" dirty="0">
+              <a:rPr kumimoji="1" lang="en-US" altLang="ja-JP" sz="800" dirty="0">
                 <a:effectLst>
                   <a:glow rad="101600">
                     <a:schemeClr val="bg1">
@@ -9472,7 +9530,7 @@
               <a:t>or </a:t>
             </a:r>
             <a:r>
-              <a:rPr kumimoji="1" lang="ja-JP" altLang="en-US" sz="1000" dirty="0">
+              <a:rPr kumimoji="1" lang="ja-JP" altLang="en-US" sz="800" dirty="0">
                 <a:effectLst>
                   <a:glow rad="101600">
                     <a:schemeClr val="bg1">

--- a/water-fall/システム開発の進め方.pptx
+++ b/water-fall/システム開発の進め方.pptx
@@ -237,7 +237,7 @@
                 <a:latin typeface="Meiryo UI" panose="020B0604030504040204" pitchFamily="50" charset="-128"/>
                 <a:ea typeface="Meiryo UI" panose="020B0604030504040204" pitchFamily="50" charset="-128"/>
               </a:rPr>
-              <a:t>2024/7/6</a:t>
+              <a:t>2024/7/7</a:t>
             </a:fld>
             <a:endParaRPr lang="ja-JP" dirty="0">
               <a:latin typeface="Meiryo UI" panose="020B0604030504040204" pitchFamily="50" charset="-128"/>
@@ -437,7 +437,7 @@
           <a:p>
             <a:fld id="{E3D54C56-56CB-4310-BBD3-0C7DA2EFBA3C}" type="datetime1">
               <a:rPr lang="ja-JP" altLang="en-US" smtClean="0"/>
-              <a:t>2024/7/6</a:t>
+              <a:t>2024/7/7</a:t>
             </a:fld>
             <a:endParaRPr lang="en-US" dirty="0">
               <a:ea typeface="Meiryo UI" panose="020B0604030504040204" pitchFamily="50" charset="-128"/>
@@ -6627,7 +6627,7 @@
             </a:extLst>
           </p:cNvPr>
           <p:cNvSpPr>
-            <a:spLocks/>
+            <a:spLocks noGrp="1"/>
           </p:cNvSpPr>
           <p:nvPr>
             <p:ph type="sldNum" sz="quarter" idx="12"/>
@@ -8674,8 +8674,8 @@
         </p:nvSpPr>
         <p:spPr>
           <a:xfrm>
-            <a:off x="2999656" y="2749222"/>
-            <a:ext cx="2511548" cy="1687890"/>
+            <a:off x="2999656" y="2636912"/>
+            <a:ext cx="2511548" cy="2034123"/>
           </a:xfrm>
           <a:prstGeom prst="ellipse">
             <a:avLst/>
@@ -8787,6 +8787,13 @@
           <a:p>
             <a:r>
               <a:rPr kumimoji="1" lang="ja-JP" altLang="en-US" sz="800" dirty="0"/>
+              <a:t>・☆帳票レイアウト</a:t>
+            </a:r>
+            <a:endParaRPr kumimoji="1" lang="en-US" altLang="ja-JP" sz="800" dirty="0"/>
+          </a:p>
+          <a:p>
+            <a:r>
+              <a:rPr kumimoji="1" lang="ja-JP" altLang="en-US" sz="800" dirty="0"/>
               <a:t>・☆バッチ処理一覧</a:t>
             </a:r>
             <a:endParaRPr kumimoji="1" lang="en-US" altLang="ja-JP" sz="800" dirty="0"/>
@@ -8796,6 +8803,14 @@
               <a:rPr kumimoji="1" lang="ja-JP" altLang="en-US" sz="800" dirty="0"/>
               <a:t>・☆外部インターフェース一覧</a:t>
             </a:r>
+            <a:endParaRPr kumimoji="1" lang="en-US" altLang="ja-JP" sz="800" dirty="0"/>
+          </a:p>
+          <a:p>
+            <a:r>
+              <a:rPr kumimoji="1" lang="ja-JP" altLang="en-US" sz="800" dirty="0"/>
+              <a:t>・☆外部インターフェース定義書</a:t>
+            </a:r>
+            <a:endParaRPr kumimoji="1" lang="en-US" altLang="ja-JP" sz="800" dirty="0"/>
           </a:p>
         </p:txBody>
       </p:sp>
@@ -8813,8 +8828,8 @@
         </p:nvSpPr>
         <p:spPr>
           <a:xfrm>
-            <a:off x="4348105" y="3368804"/>
-            <a:ext cx="2035927" cy="1861006"/>
+            <a:off x="4431383" y="3368804"/>
+            <a:ext cx="2024657" cy="1514773"/>
           </a:xfrm>
           <a:prstGeom prst="ellipse">
             <a:avLst/>
@@ -8962,15 +8977,15 @@
           </a:p>
           <a:p>
             <a:r>
-              <a:rPr kumimoji="1" lang="ja-JP" altLang="en-US" sz="800" dirty="0">
+              <a:rPr kumimoji="1" lang="ja-JP" altLang="en-US" sz="800">
                 <a:solidFill>
                   <a:srgbClr val="0000CC"/>
                 </a:solidFill>
               </a:rPr>
-              <a:t>・☆</a:t>
-            </a:r>
-            <a:r>
-              <a:rPr kumimoji="1" lang="en-US" altLang="ja-JP" sz="800" dirty="0">
+              <a:t>・</a:t>
+            </a:r>
+            <a:r>
+              <a:rPr kumimoji="1" lang="en-US" altLang="ja-JP" sz="800">
                 <a:solidFill>
                   <a:srgbClr val="0000CC"/>
                 </a:solidFill>
@@ -9005,20 +9020,6 @@
                 <a:srgbClr val="0000CC"/>
               </a:solidFill>
             </a:endParaRPr>
-          </a:p>
-          <a:p>
-            <a:r>
-              <a:rPr kumimoji="1" lang="ja-JP" altLang="en-US" sz="800" dirty="0"/>
-              <a:t>・☆帳票レイアウト</a:t>
-            </a:r>
-            <a:endParaRPr kumimoji="1" lang="en-US" altLang="ja-JP" sz="800" dirty="0"/>
-          </a:p>
-          <a:p>
-            <a:r>
-              <a:rPr kumimoji="1" lang="ja-JP" altLang="en-US" sz="800" dirty="0"/>
-              <a:t>・☆外部インターフェース定義書</a:t>
-            </a:r>
-            <a:endParaRPr kumimoji="1" lang="en-US" altLang="ja-JP" sz="800" dirty="0"/>
           </a:p>
         </p:txBody>
       </p:sp>
@@ -12299,35 +12300,6 @@
 </file>
 
 <file path=customXml/item1.xml><?xml version="1.0" encoding="utf-8"?>
-<p:properties xmlns:p="http://schemas.microsoft.com/office/2006/metadata/properties" xmlns:xsi="http://www.w3.org/2001/XMLSchema-instance" xmlns:pc="http://schemas.microsoft.com/office/infopath/2007/PartnerControls">
-  <documentManagement>
-    <_ip_UnifiedCompliancePolicyUIAction xmlns="http://schemas.microsoft.com/sharepoint/v3" xsi:nil="true"/>
-    <Image xmlns="71af3243-3dd4-4a8d-8c0d-dd76da1f02a5">
-      <Url xsi:nil="true"/>
-      <Description xsi:nil="true"/>
-    </Image>
-    <Status xmlns="71af3243-3dd4-4a8d-8c0d-dd76da1f02a5">Not started</Status>
-    <Background xmlns="71af3243-3dd4-4a8d-8c0d-dd76da1f02a5">false</Background>
-    <_ip_UnifiedCompliancePolicyProperties xmlns="http://schemas.microsoft.com/sharepoint/v3" xsi:nil="true"/>
-    <ImageTagsTaxHTField xmlns="71af3243-3dd4-4a8d-8c0d-dd76da1f02a5">
-      <Terms xmlns="http://schemas.microsoft.com/office/infopath/2007/PartnerControls"/>
-    </ImageTagsTaxHTField>
-    <TaxCatchAll xmlns="230e9df3-be65-4c73-a93b-d1236ebd677e" xsi:nil="true"/>
-    <MediaServiceKeyPoints xmlns="71af3243-3dd4-4a8d-8c0d-dd76da1f02a5" xsi:nil="true"/>
-  </documentManagement>
-</p:properties>
-</file>
-
-<file path=customXml/item2.xml><?xml version="1.0" encoding="utf-8"?>
-<?mso-contentType ?>
-<FormTemplates xmlns="http://schemas.microsoft.com/sharepoint/v3/contenttype/forms">
-  <Display>DocumentLibraryForm</Display>
-  <Edit>DocumentLibraryForm</Edit>
-  <New>DocumentLibraryForm</New>
-</FormTemplates>
-</file>
-
-<file path=customXml/item3.xml><?xml version="1.0" encoding="utf-8"?>
 <ct:contentTypeSchema xmlns:ct="http://schemas.microsoft.com/office/2006/metadata/contentType" xmlns:ma="http://schemas.microsoft.com/office/2006/metadata/properties/metaAttributes" ct:_="" ma:_="" ma:contentTypeName="Document" ma:contentTypeID="0x01010079F111ED35F8CC479449609E8A0923A6" ma:contentTypeVersion="28" ma:contentTypeDescription="Create a new document." ma:contentTypeScope="" ma:versionID="60f5a4f2d2b0abadcf532d48ebf9cb71">
   <xsd:schema xmlns:xsd="http://www.w3.org/2001/XMLSchema" xmlns:xs="http://www.w3.org/2001/XMLSchema" xmlns:p="http://schemas.microsoft.com/office/2006/metadata/properties" xmlns:ns1="http://schemas.microsoft.com/sharepoint/v3" xmlns:ns2="71af3243-3dd4-4a8d-8c0d-dd76da1f02a5" xmlns:ns3="16c05727-aa75-4e4a-9b5f-8a80a1165891" xmlns:ns4="230e9df3-be65-4c73-a93b-d1236ebd677e" targetNamespace="http://schemas.microsoft.com/office/2006/metadata/properties" ma:root="true" ma:fieldsID="7dd78129e6a1811f84807ad11c651531" ns1:_="" ns2:_="" ns3:_="" ns4:_="">
     <xsd:import namespace="http://schemas.microsoft.com/sharepoint/v3"/>
@@ -12639,27 +12611,36 @@
 </ct:contentTypeSchema>
 </file>
 
-<file path=customXml/itemProps1.xml><?xml version="1.0" encoding="utf-8"?>
-<ds:datastoreItem xmlns:ds="http://schemas.openxmlformats.org/officeDocument/2006/customXml" ds:itemID="{49168DCE-134F-4610-A6AA-88CEBE8D71D2}">
-  <ds:schemaRefs>
-    <ds:schemaRef ds:uri="http://schemas.microsoft.com/office/2006/metadata/properties"/>
-    <ds:schemaRef ds:uri="http://schemas.microsoft.com/office/infopath/2007/PartnerControls"/>
-    <ds:schemaRef ds:uri="http://schemas.microsoft.com/sharepoint/v3"/>
-    <ds:schemaRef ds:uri="71af3243-3dd4-4a8d-8c0d-dd76da1f02a5"/>
-    <ds:schemaRef ds:uri="230e9df3-be65-4c73-a93b-d1236ebd677e"/>
-  </ds:schemaRefs>
-</ds:datastoreItem>
+<file path=customXml/item2.xml><?xml version="1.0" encoding="utf-8"?>
+<?mso-contentType ?>
+<FormTemplates xmlns="http://schemas.microsoft.com/sharepoint/v3/contenttype/forms">
+  <Display>DocumentLibraryForm</Display>
+  <Edit>DocumentLibraryForm</Edit>
+  <New>DocumentLibraryForm</New>
+</FormTemplates>
 </file>
 
-<file path=customXml/itemProps2.xml><?xml version="1.0" encoding="utf-8"?>
-<ds:datastoreItem xmlns:ds="http://schemas.openxmlformats.org/officeDocument/2006/customXml" ds:itemID="{CABF691C-888B-4061-8A6F-D5CE84A0254B}">
-  <ds:schemaRefs>
-    <ds:schemaRef ds:uri="http://schemas.microsoft.com/sharepoint/v3/contenttype/forms"/>
-  </ds:schemaRefs>
-</ds:datastoreItem>
+<file path=customXml/item3.xml><?xml version="1.0" encoding="utf-8"?>
+<p:properties xmlns:p="http://schemas.microsoft.com/office/2006/metadata/properties" xmlns:xsi="http://www.w3.org/2001/XMLSchema-instance" xmlns:pc="http://schemas.microsoft.com/office/infopath/2007/PartnerControls">
+  <documentManagement>
+    <_ip_UnifiedCompliancePolicyUIAction xmlns="http://schemas.microsoft.com/sharepoint/v3" xsi:nil="true"/>
+    <Image xmlns="71af3243-3dd4-4a8d-8c0d-dd76da1f02a5">
+      <Url xsi:nil="true"/>
+      <Description xsi:nil="true"/>
+    </Image>
+    <Status xmlns="71af3243-3dd4-4a8d-8c0d-dd76da1f02a5">Not started</Status>
+    <Background xmlns="71af3243-3dd4-4a8d-8c0d-dd76da1f02a5">false</Background>
+    <_ip_UnifiedCompliancePolicyProperties xmlns="http://schemas.microsoft.com/sharepoint/v3" xsi:nil="true"/>
+    <ImageTagsTaxHTField xmlns="71af3243-3dd4-4a8d-8c0d-dd76da1f02a5">
+      <Terms xmlns="http://schemas.microsoft.com/office/infopath/2007/PartnerControls"/>
+    </ImageTagsTaxHTField>
+    <TaxCatchAll xmlns="230e9df3-be65-4c73-a93b-d1236ebd677e" xsi:nil="true"/>
+    <MediaServiceKeyPoints xmlns="71af3243-3dd4-4a8d-8c0d-dd76da1f02a5" xsi:nil="true"/>
+  </documentManagement>
+</p:properties>
 </file>
 
-<file path=customXml/itemProps3.xml><?xml version="1.0" encoding="utf-8"?>
+<file path=customXml/itemProps1.xml><?xml version="1.0" encoding="utf-8"?>
 <ds:datastoreItem xmlns:ds="http://schemas.openxmlformats.org/officeDocument/2006/customXml" ds:itemID="{5EDE3176-A15D-46A3-BDDB-64A0D7363224}">
   <ds:schemaRefs>
     <ds:schemaRef ds:uri="http://schemas.microsoft.com/office/2006/metadata/contentType"/>
@@ -12680,6 +12661,26 @@
 </ds:datastoreItem>
 </file>
 
+<file path=customXml/itemProps2.xml><?xml version="1.0" encoding="utf-8"?>
+<ds:datastoreItem xmlns:ds="http://schemas.openxmlformats.org/officeDocument/2006/customXml" ds:itemID="{CABF691C-888B-4061-8A6F-D5CE84A0254B}">
+  <ds:schemaRefs>
+    <ds:schemaRef ds:uri="http://schemas.microsoft.com/sharepoint/v3/contenttype/forms"/>
+  </ds:schemaRefs>
+</ds:datastoreItem>
+</file>
+
+<file path=customXml/itemProps3.xml><?xml version="1.0" encoding="utf-8"?>
+<ds:datastoreItem xmlns:ds="http://schemas.openxmlformats.org/officeDocument/2006/customXml" ds:itemID="{49168DCE-134F-4610-A6AA-88CEBE8D71D2}">
+  <ds:schemaRefs>
+    <ds:schemaRef ds:uri="http://schemas.microsoft.com/office/2006/metadata/properties"/>
+    <ds:schemaRef ds:uri="http://schemas.microsoft.com/office/infopath/2007/PartnerControls"/>
+    <ds:schemaRef ds:uri="http://schemas.microsoft.com/sharepoint/v3"/>
+    <ds:schemaRef ds:uri="71af3243-3dd4-4a8d-8c0d-dd76da1f02a5"/>
+    <ds:schemaRef ds:uri="230e9df3-be65-4c73-a93b-d1236ebd677e"/>
+  </ds:schemaRefs>
+</ds:datastoreItem>
+</file>
+
 <file path=docMetadata/LabelInfo.xml><?xml version="1.0" encoding="utf-8"?>
 <clbl:labelList xmlns:clbl="http://schemas.microsoft.com/office/2020/mipLabelMetadata"/>
 </file>
--- a/water-fall/システム開発の進め方.pptx
+++ b/water-fall/システム開発の進め方.pptx
@@ -237,7 +237,7 @@
                 <a:latin typeface="Meiryo UI" panose="020B0604030504040204" pitchFamily="50" charset="-128"/>
                 <a:ea typeface="Meiryo UI" panose="020B0604030504040204" pitchFamily="50" charset="-128"/>
               </a:rPr>
-              <a:t>2024/7/7</a:t>
+              <a:t>2024/7/16</a:t>
             </a:fld>
             <a:endParaRPr lang="ja-JP" dirty="0">
               <a:latin typeface="Meiryo UI" panose="020B0604030504040204" pitchFamily="50" charset="-128"/>
@@ -437,7 +437,7 @@
           <a:p>
             <a:fld id="{E3D54C56-56CB-4310-BBD3-0C7DA2EFBA3C}" type="datetime1">
               <a:rPr lang="ja-JP" altLang="en-US" smtClean="0"/>
-              <a:t>2024/7/7</a:t>
+              <a:t>2024/7/16</a:t>
             </a:fld>
             <a:endParaRPr lang="en-US" dirty="0">
               <a:ea typeface="Meiryo UI" panose="020B0604030504040204" pitchFamily="50" charset="-128"/>
@@ -9037,8 +9037,8 @@
         </p:nvSpPr>
         <p:spPr>
           <a:xfrm>
-            <a:off x="5663952" y="3183597"/>
-            <a:ext cx="2144125" cy="1168539"/>
+            <a:off x="5663952" y="2924944"/>
+            <a:ext cx="2144125" cy="1514773"/>
           </a:xfrm>
           <a:prstGeom prst="ellipse">
             <a:avLst/>
@@ -9094,6 +9094,20 @@
             <a:r>
               <a:rPr kumimoji="1" lang="ja-JP" altLang="en-US" sz="800" dirty="0"/>
               <a:t>・☆シーケンス図</a:t>
+            </a:r>
+            <a:endParaRPr kumimoji="1" lang="en-US" altLang="ja-JP" sz="800" dirty="0"/>
+          </a:p>
+          <a:p>
+            <a:r>
+              <a:rPr kumimoji="1" lang="ja-JP" altLang="en-US" sz="800" dirty="0"/>
+              <a:t>・☆ドメインモデル図</a:t>
+            </a:r>
+            <a:endParaRPr kumimoji="1" lang="en-US" altLang="ja-JP" sz="800" dirty="0"/>
+          </a:p>
+          <a:p>
+            <a:r>
+              <a:rPr kumimoji="1" lang="ja-JP" altLang="en-US" sz="800" dirty="0"/>
+              <a:t>・☆状態遷移図</a:t>
             </a:r>
             <a:endParaRPr kumimoji="1" lang="en-US" altLang="ja-JP" sz="800" dirty="0"/>
           </a:p>
@@ -12300,6 +12314,35 @@
 </file>
 
 <file path=customXml/item1.xml><?xml version="1.0" encoding="utf-8"?>
+<p:properties xmlns:p="http://schemas.microsoft.com/office/2006/metadata/properties" xmlns:xsi="http://www.w3.org/2001/XMLSchema-instance" xmlns:pc="http://schemas.microsoft.com/office/infopath/2007/PartnerControls">
+  <documentManagement>
+    <_ip_UnifiedCompliancePolicyUIAction xmlns="http://schemas.microsoft.com/sharepoint/v3" xsi:nil="true"/>
+    <Image xmlns="71af3243-3dd4-4a8d-8c0d-dd76da1f02a5">
+      <Url xsi:nil="true"/>
+      <Description xsi:nil="true"/>
+    </Image>
+    <Status xmlns="71af3243-3dd4-4a8d-8c0d-dd76da1f02a5">Not started</Status>
+    <Background xmlns="71af3243-3dd4-4a8d-8c0d-dd76da1f02a5">false</Background>
+    <_ip_UnifiedCompliancePolicyProperties xmlns="http://schemas.microsoft.com/sharepoint/v3" xsi:nil="true"/>
+    <ImageTagsTaxHTField xmlns="71af3243-3dd4-4a8d-8c0d-dd76da1f02a5">
+      <Terms xmlns="http://schemas.microsoft.com/office/infopath/2007/PartnerControls"/>
+    </ImageTagsTaxHTField>
+    <TaxCatchAll xmlns="230e9df3-be65-4c73-a93b-d1236ebd677e" xsi:nil="true"/>
+    <MediaServiceKeyPoints xmlns="71af3243-3dd4-4a8d-8c0d-dd76da1f02a5" xsi:nil="true"/>
+  </documentManagement>
+</p:properties>
+</file>
+
+<file path=customXml/item2.xml><?xml version="1.0" encoding="utf-8"?>
+<?mso-contentType ?>
+<FormTemplates xmlns="http://schemas.microsoft.com/sharepoint/v3/contenttype/forms">
+  <Display>DocumentLibraryForm</Display>
+  <Edit>DocumentLibraryForm</Edit>
+  <New>DocumentLibraryForm</New>
+</FormTemplates>
+</file>
+
+<file path=customXml/item3.xml><?xml version="1.0" encoding="utf-8"?>
 <ct:contentTypeSchema xmlns:ct="http://schemas.microsoft.com/office/2006/metadata/contentType" xmlns:ma="http://schemas.microsoft.com/office/2006/metadata/properties/metaAttributes" ct:_="" ma:_="" ma:contentTypeName="Document" ma:contentTypeID="0x01010079F111ED35F8CC479449609E8A0923A6" ma:contentTypeVersion="28" ma:contentTypeDescription="Create a new document." ma:contentTypeScope="" ma:versionID="60f5a4f2d2b0abadcf532d48ebf9cb71">
   <xsd:schema xmlns:xsd="http://www.w3.org/2001/XMLSchema" xmlns:xs="http://www.w3.org/2001/XMLSchema" xmlns:p="http://schemas.microsoft.com/office/2006/metadata/properties" xmlns:ns1="http://schemas.microsoft.com/sharepoint/v3" xmlns:ns2="71af3243-3dd4-4a8d-8c0d-dd76da1f02a5" xmlns:ns3="16c05727-aa75-4e4a-9b5f-8a80a1165891" xmlns:ns4="230e9df3-be65-4c73-a93b-d1236ebd677e" targetNamespace="http://schemas.microsoft.com/office/2006/metadata/properties" ma:root="true" ma:fieldsID="7dd78129e6a1811f84807ad11c651531" ns1:_="" ns2:_="" ns3:_="" ns4:_="">
     <xsd:import namespace="http://schemas.microsoft.com/sharepoint/v3"/>
@@ -12611,36 +12654,27 @@
 </ct:contentTypeSchema>
 </file>
 
-<file path=customXml/item2.xml><?xml version="1.0" encoding="utf-8"?>
-<?mso-contentType ?>
-<FormTemplates xmlns="http://schemas.microsoft.com/sharepoint/v3/contenttype/forms">
-  <Display>DocumentLibraryForm</Display>
-  <Edit>DocumentLibraryForm</Edit>
-  <New>DocumentLibraryForm</New>
-</FormTemplates>
+<file path=customXml/itemProps1.xml><?xml version="1.0" encoding="utf-8"?>
+<ds:datastoreItem xmlns:ds="http://schemas.openxmlformats.org/officeDocument/2006/customXml" ds:itemID="{49168DCE-134F-4610-A6AA-88CEBE8D71D2}">
+  <ds:schemaRefs>
+    <ds:schemaRef ds:uri="http://schemas.microsoft.com/office/2006/metadata/properties"/>
+    <ds:schemaRef ds:uri="http://schemas.microsoft.com/office/infopath/2007/PartnerControls"/>
+    <ds:schemaRef ds:uri="http://schemas.microsoft.com/sharepoint/v3"/>
+    <ds:schemaRef ds:uri="71af3243-3dd4-4a8d-8c0d-dd76da1f02a5"/>
+    <ds:schemaRef ds:uri="230e9df3-be65-4c73-a93b-d1236ebd677e"/>
+  </ds:schemaRefs>
+</ds:datastoreItem>
 </file>
 
-<file path=customXml/item3.xml><?xml version="1.0" encoding="utf-8"?>
-<p:properties xmlns:p="http://schemas.microsoft.com/office/2006/metadata/properties" xmlns:xsi="http://www.w3.org/2001/XMLSchema-instance" xmlns:pc="http://schemas.microsoft.com/office/infopath/2007/PartnerControls">
-  <documentManagement>
-    <_ip_UnifiedCompliancePolicyUIAction xmlns="http://schemas.microsoft.com/sharepoint/v3" xsi:nil="true"/>
-    <Image xmlns="71af3243-3dd4-4a8d-8c0d-dd76da1f02a5">
-      <Url xsi:nil="true"/>
-      <Description xsi:nil="true"/>
-    </Image>
-    <Status xmlns="71af3243-3dd4-4a8d-8c0d-dd76da1f02a5">Not started</Status>
-    <Background xmlns="71af3243-3dd4-4a8d-8c0d-dd76da1f02a5">false</Background>
-    <_ip_UnifiedCompliancePolicyProperties xmlns="http://schemas.microsoft.com/sharepoint/v3" xsi:nil="true"/>
-    <ImageTagsTaxHTField xmlns="71af3243-3dd4-4a8d-8c0d-dd76da1f02a5">
-      <Terms xmlns="http://schemas.microsoft.com/office/infopath/2007/PartnerControls"/>
-    </ImageTagsTaxHTField>
-    <TaxCatchAll xmlns="230e9df3-be65-4c73-a93b-d1236ebd677e" xsi:nil="true"/>
-    <MediaServiceKeyPoints xmlns="71af3243-3dd4-4a8d-8c0d-dd76da1f02a5" xsi:nil="true"/>
-  </documentManagement>
-</p:properties>
+<file path=customXml/itemProps2.xml><?xml version="1.0" encoding="utf-8"?>
+<ds:datastoreItem xmlns:ds="http://schemas.openxmlformats.org/officeDocument/2006/customXml" ds:itemID="{CABF691C-888B-4061-8A6F-D5CE84A0254B}">
+  <ds:schemaRefs>
+    <ds:schemaRef ds:uri="http://schemas.microsoft.com/sharepoint/v3/contenttype/forms"/>
+  </ds:schemaRefs>
+</ds:datastoreItem>
 </file>
 
-<file path=customXml/itemProps1.xml><?xml version="1.0" encoding="utf-8"?>
+<file path=customXml/itemProps3.xml><?xml version="1.0" encoding="utf-8"?>
 <ds:datastoreItem xmlns:ds="http://schemas.openxmlformats.org/officeDocument/2006/customXml" ds:itemID="{5EDE3176-A15D-46A3-BDDB-64A0D7363224}">
   <ds:schemaRefs>
     <ds:schemaRef ds:uri="http://schemas.microsoft.com/office/2006/metadata/contentType"/>
@@ -12661,26 +12695,6 @@
 </ds:datastoreItem>
 </file>
 
-<file path=customXml/itemProps2.xml><?xml version="1.0" encoding="utf-8"?>
-<ds:datastoreItem xmlns:ds="http://schemas.openxmlformats.org/officeDocument/2006/customXml" ds:itemID="{CABF691C-888B-4061-8A6F-D5CE84A0254B}">
-  <ds:schemaRefs>
-    <ds:schemaRef ds:uri="http://schemas.microsoft.com/sharepoint/v3/contenttype/forms"/>
-  </ds:schemaRefs>
-</ds:datastoreItem>
-</file>
-
-<file path=customXml/itemProps3.xml><?xml version="1.0" encoding="utf-8"?>
-<ds:datastoreItem xmlns:ds="http://schemas.openxmlformats.org/officeDocument/2006/customXml" ds:itemID="{49168DCE-134F-4610-A6AA-88CEBE8D71D2}">
-  <ds:schemaRefs>
-    <ds:schemaRef ds:uri="http://schemas.microsoft.com/office/2006/metadata/properties"/>
-    <ds:schemaRef ds:uri="http://schemas.microsoft.com/office/infopath/2007/PartnerControls"/>
-    <ds:schemaRef ds:uri="http://schemas.microsoft.com/sharepoint/v3"/>
-    <ds:schemaRef ds:uri="71af3243-3dd4-4a8d-8c0d-dd76da1f02a5"/>
-    <ds:schemaRef ds:uri="230e9df3-be65-4c73-a93b-d1236ebd677e"/>
-  </ds:schemaRefs>
-</ds:datastoreItem>
-</file>
-
 <file path=docMetadata/LabelInfo.xml><?xml version="1.0" encoding="utf-8"?>
 <clbl:labelList xmlns:clbl="http://schemas.microsoft.com/office/2020/mipLabelMetadata"/>
 </file>